--- a/LectureFiles/cshl/2018/RNASeq_Module4_Lecture.pptx
+++ b/LectureFiles/cshl/2018/RNASeq_Module4_Lecture.pptx
@@ -155,7 +155,7 @@
   </p:defaultTextStyle>
   <p:extLst>
     <p:ext uri="{EFAFB233-063F-42B5-8137-9DF3F51BA10A}">
-      <p15:sldGuideLst xmlns="" xmlns:p15="http://schemas.microsoft.com/office/powerpoint/2012/main">
+      <p15:sldGuideLst xmlns:p15="http://schemas.microsoft.com/office/powerpoint/2012/main" xmlns="">
         <p15:guide id="1" orient="horz" pos="2160">
           <p15:clr>
             <a:srgbClr val="A4A3A4"/>
@@ -275,7 +275,7 @@
               <a:pPr>
                 <a:defRPr/>
               </a:pPr>
-              <a:t>11/13/17</a:t>
+              <a:t>11/13/18</a:t>
             </a:fld>
             <a:endParaRPr lang="en-US"/>
           </a:p>
@@ -482,7 +482,7 @@
               <a:pPr>
                 <a:defRPr/>
               </a:pPr>
-              <a:t>11/13/17</a:t>
+              <a:t>11/13/18</a:t>
             </a:fld>
             <a:endParaRPr lang="en-US"/>
           </a:p>
@@ -4285,7 +4285,7 @@
               <a:pPr>
                 <a:defRPr/>
               </a:pPr>
-              <a:t>11/13/17</a:t>
+              <a:t>11/13/18</a:t>
             </a:fld>
             <a:endParaRPr lang="en-US"/>
           </a:p>
@@ -6194,12 +6194,47 @@
               <a:defRPr/>
             </a:pPr>
             <a:r>
-              <a:rPr lang="en-US" sz="1600" dirty="0" smtClean="0">
+              <a:rPr lang="en-US" sz="1600" dirty="0" err="1">
                 <a:latin typeface="Calibri"/>
-                <a:ea typeface="+mj-ea"/>
                 <a:cs typeface="Calibri"/>
               </a:rPr>
-              <a:t>Malachi Griffith, Obi Griffith, Jason Walker, Alex Wagner</a:t>
+              <a:t>Kelsy</a:t>
+            </a:r>
+            <a:r>
+              <a:rPr lang="en-US" sz="1600" dirty="0">
+                <a:latin typeface="Calibri"/>
+                <a:cs typeface="Calibri"/>
+              </a:rPr>
+              <a:t> </a:t>
+            </a:r>
+            <a:r>
+              <a:rPr lang="en-US" sz="1600" dirty="0" err="1">
+                <a:latin typeface="Calibri"/>
+                <a:cs typeface="Calibri"/>
+              </a:rPr>
+              <a:t>Cotto</a:t>
+            </a:r>
+            <a:r>
+              <a:rPr lang="en-US" sz="1600" dirty="0">
+                <a:latin typeface="Calibri"/>
+                <a:cs typeface="Calibri"/>
+              </a:rPr>
+              <a:t>, Obi Griffith, Malachi Griffith, </a:t>
+            </a:r>
+          </a:p>
+          <a:p>
+            <a:pPr fontAlgn="auto">
+              <a:spcAft>
+                <a:spcPts val="0"/>
+              </a:spcAft>
+              <a:defRPr/>
+            </a:pPr>
+            <a:r>
+              <a:rPr lang="en-US" sz="1600" dirty="0">
+                <a:latin typeface="Calibri"/>
+                <a:cs typeface="Calibri"/>
+              </a:rPr>
+              <a:t>Alex Wagner, Jason Walker</a:t>
             </a:r>
           </a:p>
           <a:p>
@@ -6234,7 +6269,7 @@
               <a:defRPr/>
             </a:pPr>
             <a:r>
-              <a:rPr lang="en-US" sz="1400" dirty="0">
+              <a:rPr lang="en-US" sz="1400">
                 <a:ln w="1270">
                   <a:solidFill>
                     <a:schemeClr val="tx1">
@@ -6243,56 +6278,21 @@
                   </a:solidFill>
                 </a:ln>
                 <a:latin typeface="Calibri"/>
-                <a:ea typeface="+mn-ea"/>
                 <a:cs typeface="Calibri"/>
               </a:rPr>
-              <a:t>November </a:t>
-            </a:r>
-            <a:r>
-              <a:rPr lang="en-US" sz="1400" dirty="0" smtClean="0">
-                <a:ln w="1270">
-                  <a:solidFill>
-                    <a:schemeClr val="tx1">
-                      <a:alpha val="38000"/>
-                    </a:schemeClr>
-                  </a:solidFill>
-                </a:ln>
-                <a:latin typeface="Calibri"/>
-                <a:ea typeface="+mn-ea"/>
-                <a:cs typeface="Calibri"/>
-              </a:rPr>
-              <a:t>7 </a:t>
-            </a:r>
-            <a:r>
-              <a:rPr lang="en-US" sz="1400" dirty="0">
-                <a:ln w="1270">
-                  <a:solidFill>
-                    <a:schemeClr val="tx1">
-                      <a:alpha val="38000"/>
-                    </a:schemeClr>
-                  </a:solidFill>
-                </a:ln>
-                <a:latin typeface="Calibri"/>
-                <a:ea typeface="+mn-ea"/>
-                <a:cs typeface="Calibri"/>
-              </a:rPr>
-              <a:t>- </a:t>
-            </a:r>
-            <a:r>
-              <a:rPr lang="en-US" sz="1400" dirty="0" smtClean="0">
-                <a:ln w="1270">
-                  <a:solidFill>
-                    <a:schemeClr val="tx1">
-                      <a:alpha val="38000"/>
-                    </a:schemeClr>
-                  </a:solidFill>
-                </a:ln>
-                <a:latin typeface="Calibri"/>
-                <a:ea typeface="+mn-ea"/>
-                <a:cs typeface="Calibri"/>
-              </a:rPr>
-              <a:t>18, 2017</a:t>
-            </a:r>
+              <a:t>November 6- 18, 2018</a:t>
+            </a:r>
+            <a:endParaRPr lang="en-US" sz="1400" dirty="0">
+              <a:ln w="1270">
+                <a:solidFill>
+                  <a:schemeClr val="tx1">
+                    <a:alpha val="38000"/>
+                  </a:schemeClr>
+                </a:solidFill>
+              </a:ln>
+              <a:latin typeface="Calibri"/>
+              <a:cs typeface="Calibri"/>
+            </a:endParaRPr>
           </a:p>
         </p:txBody>
       </p:sp>

--- a/LectureFiles/cshl/2018/RNASeq_Module4_Lecture.pptx
+++ b/LectureFiles/cshl/2018/RNASeq_Module4_Lecture.pptx
@@ -5,26 +5,22 @@
     <p:sldMasterId id="2147483648" r:id="rId1"/>
   </p:sldMasterIdLst>
   <p:notesMasterIdLst>
-    <p:notesMasterId r:id="rId16"/>
+    <p:notesMasterId r:id="rId12"/>
   </p:notesMasterIdLst>
   <p:handoutMasterIdLst>
-    <p:handoutMasterId r:id="rId17"/>
+    <p:handoutMasterId r:id="rId13"/>
   </p:handoutMasterIdLst>
   <p:sldIdLst>
     <p:sldId id="341" r:id="rId2"/>
     <p:sldId id="513" r:id="rId3"/>
-    <p:sldId id="514" r:id="rId4"/>
-    <p:sldId id="515" r:id="rId5"/>
-    <p:sldId id="516" r:id="rId6"/>
-    <p:sldId id="517" r:id="rId7"/>
-    <p:sldId id="518" r:id="rId8"/>
-    <p:sldId id="519" r:id="rId9"/>
-    <p:sldId id="520" r:id="rId10"/>
-    <p:sldId id="521" r:id="rId11"/>
-    <p:sldId id="522" r:id="rId12"/>
-    <p:sldId id="523" r:id="rId13"/>
-    <p:sldId id="524" r:id="rId14"/>
-    <p:sldId id="525" r:id="rId15"/>
+    <p:sldId id="533" r:id="rId4"/>
+    <p:sldId id="527" r:id="rId5"/>
+    <p:sldId id="528" r:id="rId6"/>
+    <p:sldId id="529" r:id="rId7"/>
+    <p:sldId id="530" r:id="rId8"/>
+    <p:sldId id="531" r:id="rId9"/>
+    <p:sldId id="532" r:id="rId10"/>
+    <p:sldId id="525" r:id="rId11"/>
   </p:sldIdLst>
   <p:sldSz cx="9144000" cy="6858000" type="screen4x3"/>
   <p:notesSz cx="7315200" cy="9601200"/>
@@ -155,7 +151,7 @@
   </p:defaultTextStyle>
   <p:extLst>
     <p:ext uri="{EFAFB233-063F-42B5-8137-9DF3F51BA10A}">
-      <p15:sldGuideLst xmlns:p15="http://schemas.microsoft.com/office/powerpoint/2012/main" xmlns="">
+      <p15:sldGuideLst xmlns="" xmlns:p15="http://schemas.microsoft.com/office/powerpoint/2012/main">
         <p15:guide id="1" orient="horz" pos="2160">
           <p15:clr>
             <a:srgbClr val="A4A3A4"/>
@@ -275,7 +271,7 @@
               <a:pPr>
                 <a:defRPr/>
               </a:pPr>
-              <a:t>11/13/18</a:t>
+              <a:t>11/14/18</a:t>
             </a:fld>
             <a:endParaRPr lang="en-US"/>
           </a:p>
@@ -482,7 +478,7 @@
               <a:pPr>
                 <a:defRPr/>
               </a:pPr>
-              <a:t>11/13/18</a:t>
+              <a:t>11/14/18</a:t>
             </a:fld>
             <a:endParaRPr lang="en-US"/>
           </a:p>
@@ -854,7 +850,119 @@
           <a:bodyPr/>
           <a:lstStyle/>
           <a:p>
-            <a:endParaRPr lang="en-US"/>
+            <a:pPr marL="171450" indent="-171450">
+              <a:buFontTx/>
+              <a:buChar char="-"/>
+            </a:pPr>
+            <a:r>
+              <a:rPr lang="en-US" dirty="0" smtClean="0"/>
+              <a:t>As</a:t>
+            </a:r>
+            <a:r>
+              <a:rPr lang="en-US" baseline="0" dirty="0" smtClean="0"/>
+              <a:t> k-</a:t>
+            </a:r>
+            <a:r>
+              <a:rPr lang="en-US" baseline="0" dirty="0" err="1" smtClean="0"/>
+              <a:t>mers</a:t>
+            </a:r>
+            <a:r>
+              <a:rPr lang="en-US" baseline="0" dirty="0" smtClean="0"/>
+              <a:t> get longer, there are more possible unique combinations.  For k-</a:t>
+            </a:r>
+            <a:r>
+              <a:rPr lang="en-US" baseline="0" dirty="0" err="1" smtClean="0"/>
+              <a:t>mers</a:t>
+            </a:r>
+            <a:r>
+              <a:rPr lang="en-US" baseline="0" dirty="0" smtClean="0"/>
+              <a:t> representing strings of DNA sequence there are 4^k possible unique k-</a:t>
+            </a:r>
+            <a:r>
+              <a:rPr lang="en-US" baseline="0" dirty="0" err="1" smtClean="0"/>
+              <a:t>mers</a:t>
+            </a:r>
+            <a:r>
+              <a:rPr lang="en-US" baseline="0" dirty="0" smtClean="0"/>
+              <a:t> where k is the length of the k-mer.</a:t>
+            </a:r>
+          </a:p>
+          <a:p>
+            <a:pPr marL="171450" indent="-171450">
+              <a:buFontTx/>
+              <a:buChar char="-"/>
+            </a:pPr>
+            <a:r>
+              <a:rPr lang="en-US" baseline="0" dirty="0" smtClean="0"/>
+              <a:t>Alignment free transcript abundance estimation methods obtain fast performance in part by keeping an index of k-</a:t>
+            </a:r>
+            <a:r>
+              <a:rPr lang="en-US" baseline="0" dirty="0" err="1" smtClean="0"/>
+              <a:t>mers</a:t>
+            </a:r>
+            <a:r>
+              <a:rPr lang="en-US" baseline="0" dirty="0" smtClean="0"/>
+              <a:t> in memory.  Longer k-</a:t>
+            </a:r>
+            <a:r>
+              <a:rPr lang="en-US" baseline="0" dirty="0" err="1" smtClean="0"/>
+              <a:t>mers</a:t>
+            </a:r>
+            <a:r>
+              <a:rPr lang="en-US" baseline="0" dirty="0" smtClean="0"/>
+              <a:t> require more memory.</a:t>
+            </a:r>
+          </a:p>
+          <a:p>
+            <a:pPr marL="171450" indent="-171450">
+              <a:buFontTx/>
+              <a:buChar char="-"/>
+            </a:pPr>
+            <a:r>
+              <a:rPr lang="en-US" baseline="0" dirty="0" smtClean="0"/>
+              <a:t>K-</a:t>
+            </a:r>
+            <a:r>
+              <a:rPr lang="en-US" baseline="0" dirty="0" err="1" smtClean="0"/>
+              <a:t>mer</a:t>
+            </a:r>
+            <a:r>
+              <a:rPr lang="en-US" baseline="0" dirty="0" smtClean="0"/>
+              <a:t> length must be shorter than read and transcript lengths to be useful</a:t>
+            </a:r>
+          </a:p>
+          <a:p>
+            <a:pPr marL="171450" indent="-171450">
+              <a:buFontTx/>
+              <a:buChar char="-"/>
+            </a:pPr>
+            <a:r>
+              <a:rPr lang="en-US" baseline="0" dirty="0" smtClean="0"/>
+              <a:t>Default k-</a:t>
+            </a:r>
+            <a:r>
+              <a:rPr lang="en-US" baseline="0" dirty="0" err="1" smtClean="0"/>
+              <a:t>mer</a:t>
+            </a:r>
+            <a:r>
+              <a:rPr lang="en-US" baseline="0" dirty="0" smtClean="0"/>
+              <a:t> length for </a:t>
+            </a:r>
+            <a:r>
+              <a:rPr lang="en-US" baseline="0" dirty="0" err="1" smtClean="0"/>
+              <a:t>Kallisto</a:t>
+            </a:r>
+            <a:r>
+              <a:rPr lang="en-US" baseline="0" dirty="0" smtClean="0"/>
+              <a:t> is 31</a:t>
+            </a:r>
+          </a:p>
+          <a:p>
+            <a:pPr marL="171450" indent="-171450">
+              <a:buFontTx/>
+              <a:buChar char="-"/>
+            </a:pPr>
+            <a:endParaRPr lang="en-US" dirty="0"/>
           </a:p>
         </p:txBody>
       </p:sp>
@@ -881,7 +989,7 @@
               <a:pPr>
                 <a:defRPr/>
               </a:pPr>
-              <a:t>3</a:t>
+              <a:t>5</a:t>
             </a:fld>
             <a:endParaRPr lang="en-US"/>
           </a:p>
@@ -890,1084 +998,7 @@
     </p:spTree>
     <p:extLst>
       <p:ext uri="{BB962C8B-B14F-4D97-AF65-F5344CB8AC3E}">
-        <p14:creationId xmlns:p14="http://schemas.microsoft.com/office/powerpoint/2010/main" val="1470251376"/>
-      </p:ext>
-    </p:extLst>
-  </p:cSld>
-  <p:clrMapOvr>
-    <a:masterClrMapping/>
-  </p:clrMapOvr>
-</p:notes>
-</file>
-
-<file path=ppt/notesSlides/notesSlide10.xml><?xml version="1.0" encoding="utf-8"?>
-<p:notes xmlns:a="http://schemas.openxmlformats.org/drawingml/2006/main" xmlns:r="http://schemas.openxmlformats.org/officeDocument/2006/relationships" xmlns:p="http://schemas.openxmlformats.org/presentationml/2006/main">
-  <p:cSld>
-    <p:spTree>
-      <p:nvGrpSpPr>
-        <p:cNvPr id="1" name=""/>
-        <p:cNvGrpSpPr/>
-        <p:nvPr/>
-      </p:nvGrpSpPr>
-      <p:grpSpPr>
-        <a:xfrm>
-          <a:off x="0" y="0"/>
-          <a:ext cx="0" cy="0"/>
-          <a:chOff x="0" y="0"/>
-          <a:chExt cx="0" cy="0"/>
-        </a:xfrm>
-      </p:grpSpPr>
-      <p:sp>
-        <p:nvSpPr>
-          <p:cNvPr id="2" name="Slide Image Placeholder 1"/>
-          <p:cNvSpPr>
-            <a:spLocks noGrp="1" noRot="1" noChangeAspect="1"/>
-          </p:cNvSpPr>
-          <p:nvPr>
-            <p:ph type="sldImg"/>
-          </p:nvPr>
-        </p:nvSpPr>
-        <p:spPr/>
-      </p:sp>
-      <p:sp>
-        <p:nvSpPr>
-          <p:cNvPr id="3" name="Notes Placeholder 2"/>
-          <p:cNvSpPr>
-            <a:spLocks noGrp="1"/>
-          </p:cNvSpPr>
-          <p:nvPr>
-            <p:ph type="body" idx="1"/>
-          </p:nvPr>
-        </p:nvSpPr>
-        <p:spPr/>
-        <p:txBody>
-          <a:bodyPr/>
-          <a:lstStyle/>
-          <a:p>
-            <a:endParaRPr lang="en-US"/>
-          </a:p>
-        </p:txBody>
-      </p:sp>
-      <p:sp>
-        <p:nvSpPr>
-          <p:cNvPr id="4" name="Slide Number Placeholder 3"/>
-          <p:cNvSpPr>
-            <a:spLocks noGrp="1"/>
-          </p:cNvSpPr>
-          <p:nvPr>
-            <p:ph type="sldNum" sz="quarter" idx="10"/>
-          </p:nvPr>
-        </p:nvSpPr>
-        <p:spPr/>
-        <p:txBody>
-          <a:bodyPr/>
-          <a:lstStyle/>
-          <a:p>
-            <a:pPr>
-              <a:defRPr/>
-            </a:pPr>
-            <a:fld id="{F3969550-FBCF-404B-9FAA-7B1DCDF2C4FF}" type="slidenum">
-              <a:rPr lang="en-US" smtClean="0"/>
-              <a:pPr>
-                <a:defRPr/>
-              </a:pPr>
-              <a:t>12</a:t>
-            </a:fld>
-            <a:endParaRPr lang="en-US"/>
-          </a:p>
-        </p:txBody>
-      </p:sp>
-    </p:spTree>
-    <p:extLst>
-      <p:ext uri="{BB962C8B-B14F-4D97-AF65-F5344CB8AC3E}">
-        <p14:creationId xmlns:p14="http://schemas.microsoft.com/office/powerpoint/2010/main" val="129160063"/>
-      </p:ext>
-    </p:extLst>
-  </p:cSld>
-  <p:clrMapOvr>
-    <a:masterClrMapping/>
-  </p:clrMapOvr>
-</p:notes>
-</file>
-
-<file path=ppt/notesSlides/notesSlide11.xml><?xml version="1.0" encoding="utf-8"?>
-<p:notes xmlns:a="http://schemas.openxmlformats.org/drawingml/2006/main" xmlns:r="http://schemas.openxmlformats.org/officeDocument/2006/relationships" xmlns:p="http://schemas.openxmlformats.org/presentationml/2006/main">
-  <p:cSld>
-    <p:spTree>
-      <p:nvGrpSpPr>
-        <p:cNvPr id="1" name=""/>
-        <p:cNvGrpSpPr/>
-        <p:nvPr/>
-      </p:nvGrpSpPr>
-      <p:grpSpPr>
-        <a:xfrm>
-          <a:off x="0" y="0"/>
-          <a:ext cx="0" cy="0"/>
-          <a:chOff x="0" y="0"/>
-          <a:chExt cx="0" cy="0"/>
-        </a:xfrm>
-      </p:grpSpPr>
-      <p:sp>
-        <p:nvSpPr>
-          <p:cNvPr id="2" name="Slide Image Placeholder 1"/>
-          <p:cNvSpPr>
-            <a:spLocks noGrp="1" noRot="1" noChangeAspect="1"/>
-          </p:cNvSpPr>
-          <p:nvPr>
-            <p:ph type="sldImg"/>
-          </p:nvPr>
-        </p:nvSpPr>
-        <p:spPr/>
-      </p:sp>
-      <p:sp>
-        <p:nvSpPr>
-          <p:cNvPr id="3" name="Notes Placeholder 2"/>
-          <p:cNvSpPr>
-            <a:spLocks noGrp="1"/>
-          </p:cNvSpPr>
-          <p:nvPr>
-            <p:ph type="body" idx="1"/>
-          </p:nvPr>
-        </p:nvSpPr>
-        <p:spPr/>
-        <p:txBody>
-          <a:bodyPr/>
-          <a:lstStyle/>
-          <a:p>
-            <a:endParaRPr lang="en-US"/>
-          </a:p>
-        </p:txBody>
-      </p:sp>
-      <p:sp>
-        <p:nvSpPr>
-          <p:cNvPr id="4" name="Slide Number Placeholder 3"/>
-          <p:cNvSpPr>
-            <a:spLocks noGrp="1"/>
-          </p:cNvSpPr>
-          <p:nvPr>
-            <p:ph type="sldNum" sz="quarter" idx="10"/>
-          </p:nvPr>
-        </p:nvSpPr>
-        <p:spPr/>
-        <p:txBody>
-          <a:bodyPr/>
-          <a:lstStyle/>
-          <a:p>
-            <a:pPr>
-              <a:defRPr/>
-            </a:pPr>
-            <a:fld id="{F3969550-FBCF-404B-9FAA-7B1DCDF2C4FF}" type="slidenum">
-              <a:rPr lang="en-US" smtClean="0"/>
-              <a:pPr>
-                <a:defRPr/>
-              </a:pPr>
-              <a:t>13</a:t>
-            </a:fld>
-            <a:endParaRPr lang="en-US"/>
-          </a:p>
-        </p:txBody>
-      </p:sp>
-    </p:spTree>
-    <p:extLst>
-      <p:ext uri="{BB962C8B-B14F-4D97-AF65-F5344CB8AC3E}">
-        <p14:creationId xmlns:p14="http://schemas.microsoft.com/office/powerpoint/2010/main" val="331062658"/>
-      </p:ext>
-    </p:extLst>
-  </p:cSld>
-  <p:clrMapOvr>
-    <a:masterClrMapping/>
-  </p:clrMapOvr>
-</p:notes>
-</file>
-
-<file path=ppt/notesSlides/notesSlide2.xml><?xml version="1.0" encoding="utf-8"?>
-<p:notes xmlns:a="http://schemas.openxmlformats.org/drawingml/2006/main" xmlns:r="http://schemas.openxmlformats.org/officeDocument/2006/relationships" xmlns:p="http://schemas.openxmlformats.org/presentationml/2006/main">
-  <p:cSld>
-    <p:spTree>
-      <p:nvGrpSpPr>
-        <p:cNvPr id="1" name=""/>
-        <p:cNvGrpSpPr/>
-        <p:nvPr/>
-      </p:nvGrpSpPr>
-      <p:grpSpPr>
-        <a:xfrm>
-          <a:off x="0" y="0"/>
-          <a:ext cx="0" cy="0"/>
-          <a:chOff x="0" y="0"/>
-          <a:chExt cx="0" cy="0"/>
-        </a:xfrm>
-      </p:grpSpPr>
-      <p:sp>
-        <p:nvSpPr>
-          <p:cNvPr id="14337" name="Slide Image Placeholder 1"/>
-          <p:cNvSpPr>
-            <a:spLocks noGrp="1" noRot="1" noChangeAspect="1"/>
-          </p:cNvSpPr>
-          <p:nvPr>
-            <p:ph type="sldImg"/>
-          </p:nvPr>
-        </p:nvSpPr>
-        <p:spPr bwMode="auto">
-          <a:noFill/>
-          <a:ln>
-            <a:solidFill>
-              <a:srgbClr val="000000"/>
-            </a:solidFill>
-            <a:miter lim="800000"/>
-            <a:headEnd/>
-            <a:tailEnd/>
-          </a:ln>
-          <a:extLst>
-            <a:ext uri="{909E8E84-426E-40dd-AFC4-6F175D3DCCD1}">
-              <a14:hiddenFill xmlns:a14="http://schemas.microsoft.com/office/drawing/2010/main">
-                <a:solidFill>
-                  <a:srgbClr val="FFFFFF"/>
-                </a:solidFill>
-              </a14:hiddenFill>
-            </a:ext>
-            <a:ext uri="{FAA26D3D-D897-4be2-8F04-BA451C77F1D7}">
-              <ma14:placeholderFlag xmlns:ma14="http://schemas.microsoft.com/office/mac/drawingml/2011/main" val="1"/>
-            </a:ext>
-          </a:extLst>
-        </p:spPr>
-      </p:sp>
-      <p:sp>
-        <p:nvSpPr>
-          <p:cNvPr id="14338" name="Notes Placeholder 2"/>
-          <p:cNvSpPr>
-            <a:spLocks noGrp="1"/>
-          </p:cNvSpPr>
-          <p:nvPr>
-            <p:ph type="body" idx="1"/>
-          </p:nvPr>
-        </p:nvSpPr>
-        <p:spPr bwMode="auto">
-          <a:noFill/>
-          <a:extLst>
-            <a:ext uri="{909E8E84-426E-40dd-AFC4-6F175D3DCCD1}">
-              <a14:hiddenFill xmlns:a14="http://schemas.microsoft.com/office/drawing/2010/main">
-                <a:solidFill>
-                  <a:srgbClr val="FFFFFF"/>
-                </a:solidFill>
-              </a14:hiddenFill>
-            </a:ext>
-            <a:ext uri="{91240B29-F687-4f45-9708-019B960494DF}">
-              <a14:hiddenLine xmlns:a14="http://schemas.microsoft.com/office/drawing/2010/main" w="9525">
-                <a:solidFill>
-                  <a:srgbClr val="000000"/>
-                </a:solidFill>
-                <a:miter lim="800000"/>
-                <a:headEnd/>
-                <a:tailEnd/>
-              </a14:hiddenLine>
-            </a:ext>
-            <a:ext uri="{FAA26D3D-D897-4be2-8F04-BA451C77F1D7}">
-              <ma14:placeholderFlag xmlns:ma14="http://schemas.microsoft.com/office/mac/drawingml/2011/main" val="1"/>
-            </a:ext>
-          </a:extLst>
-        </p:spPr>
-        <p:txBody>
-          <a:bodyPr wrap="square" numCol="1" anchor="t" anchorCtr="0" compatLnSpc="1">
-            <a:prstTxWarp prst="textNoShape">
-              <a:avLst/>
-            </a:prstTxWarp>
-          </a:bodyPr>
-          <a:lstStyle/>
-          <a:p>
-            <a:endParaRPr lang="en-US">
-              <a:latin typeface="Calibri" charset="0"/>
-              <a:ea typeface="ＭＳ Ｐゴシック" charset="0"/>
-              <a:cs typeface="ＭＳ Ｐゴシック" charset="0"/>
-            </a:endParaRPr>
-          </a:p>
-        </p:txBody>
-      </p:sp>
-      <p:sp>
-        <p:nvSpPr>
-          <p:cNvPr id="14339" name="Slide Number Placeholder 3"/>
-          <p:cNvSpPr>
-            <a:spLocks noGrp="1"/>
-          </p:cNvSpPr>
-          <p:nvPr>
-            <p:ph type="sldNum" sz="quarter" idx="5"/>
-          </p:nvPr>
-        </p:nvSpPr>
-        <p:spPr bwMode="auto">
-          <a:noFill/>
-          <a:extLst>
-            <a:ext uri="{909E8E84-426E-40dd-AFC4-6F175D3DCCD1}">
-              <a14:hiddenFill xmlns:a14="http://schemas.microsoft.com/office/drawing/2010/main">
-                <a:solidFill>
-                  <a:srgbClr val="FFFFFF"/>
-                </a:solidFill>
-              </a14:hiddenFill>
-            </a:ext>
-            <a:ext uri="{91240B29-F687-4f45-9708-019B960494DF}">
-              <a14:hiddenLine xmlns:a14="http://schemas.microsoft.com/office/drawing/2010/main" w="9525">
-                <a:solidFill>
-                  <a:srgbClr val="000000"/>
-                </a:solidFill>
-                <a:miter lim="800000"/>
-                <a:headEnd/>
-                <a:tailEnd/>
-              </a14:hiddenLine>
-            </a:ext>
-          </a:extLst>
-        </p:spPr>
-        <p:txBody>
-          <a:bodyPr/>
-          <a:lstStyle>
-            <a:lvl1pPr eaLnBrk="0" hangingPunct="0">
-              <a:defRPr sz="2400">
-                <a:solidFill>
-                  <a:schemeClr val="tx1"/>
-                </a:solidFill>
-                <a:latin typeface="Arial" charset="0"/>
-                <a:ea typeface="ＭＳ Ｐゴシック" charset="0"/>
-                <a:cs typeface="ＭＳ Ｐゴシック" charset="0"/>
-              </a:defRPr>
-            </a:lvl1pPr>
-            <a:lvl2pPr marL="742950" indent="-285750" eaLnBrk="0" hangingPunct="0">
-              <a:defRPr sz="2400">
-                <a:solidFill>
-                  <a:schemeClr val="tx1"/>
-                </a:solidFill>
-                <a:latin typeface="Arial" charset="0"/>
-                <a:ea typeface="ＭＳ Ｐゴシック" charset="0"/>
-              </a:defRPr>
-            </a:lvl2pPr>
-            <a:lvl3pPr marL="1143000" indent="-228600" eaLnBrk="0" hangingPunct="0">
-              <a:defRPr sz="2400">
-                <a:solidFill>
-                  <a:schemeClr val="tx1"/>
-                </a:solidFill>
-                <a:latin typeface="Arial" charset="0"/>
-                <a:ea typeface="ＭＳ Ｐゴシック" charset="0"/>
-              </a:defRPr>
-            </a:lvl3pPr>
-            <a:lvl4pPr marL="1600200" indent="-228600" eaLnBrk="0" hangingPunct="0">
-              <a:defRPr sz="2400">
-                <a:solidFill>
-                  <a:schemeClr val="tx1"/>
-                </a:solidFill>
-                <a:latin typeface="Arial" charset="0"/>
-                <a:ea typeface="ＭＳ Ｐゴシック" charset="0"/>
-              </a:defRPr>
-            </a:lvl4pPr>
-            <a:lvl5pPr marL="2057400" indent="-228600" eaLnBrk="0" hangingPunct="0">
-              <a:defRPr sz="2400">
-                <a:solidFill>
-                  <a:schemeClr val="tx1"/>
-                </a:solidFill>
-                <a:latin typeface="Arial" charset="0"/>
-                <a:ea typeface="ＭＳ Ｐゴシック" charset="0"/>
-              </a:defRPr>
-            </a:lvl5pPr>
-            <a:lvl6pPr marL="2514600" indent="-228600" eaLnBrk="0" fontAlgn="base" hangingPunct="0">
-              <a:spcBef>
-                <a:spcPct val="0"/>
-              </a:spcBef>
-              <a:spcAft>
-                <a:spcPct val="0"/>
-              </a:spcAft>
-              <a:defRPr sz="2400">
-                <a:solidFill>
-                  <a:schemeClr val="tx1"/>
-                </a:solidFill>
-                <a:latin typeface="Arial" charset="0"/>
-                <a:ea typeface="ＭＳ Ｐゴシック" charset="0"/>
-              </a:defRPr>
-            </a:lvl6pPr>
-            <a:lvl7pPr marL="2971800" indent="-228600" eaLnBrk="0" fontAlgn="base" hangingPunct="0">
-              <a:spcBef>
-                <a:spcPct val="0"/>
-              </a:spcBef>
-              <a:spcAft>
-                <a:spcPct val="0"/>
-              </a:spcAft>
-              <a:defRPr sz="2400">
-                <a:solidFill>
-                  <a:schemeClr val="tx1"/>
-                </a:solidFill>
-                <a:latin typeface="Arial" charset="0"/>
-                <a:ea typeface="ＭＳ Ｐゴシック" charset="0"/>
-              </a:defRPr>
-            </a:lvl7pPr>
-            <a:lvl8pPr marL="3429000" indent="-228600" eaLnBrk="0" fontAlgn="base" hangingPunct="0">
-              <a:spcBef>
-                <a:spcPct val="0"/>
-              </a:spcBef>
-              <a:spcAft>
-                <a:spcPct val="0"/>
-              </a:spcAft>
-              <a:defRPr sz="2400">
-                <a:solidFill>
-                  <a:schemeClr val="tx1"/>
-                </a:solidFill>
-                <a:latin typeface="Arial" charset="0"/>
-                <a:ea typeface="ＭＳ Ｐゴシック" charset="0"/>
-              </a:defRPr>
-            </a:lvl8pPr>
-            <a:lvl9pPr marL="3886200" indent="-228600" eaLnBrk="0" fontAlgn="base" hangingPunct="0">
-              <a:spcBef>
-                <a:spcPct val="0"/>
-              </a:spcBef>
-              <a:spcAft>
-                <a:spcPct val="0"/>
-              </a:spcAft>
-              <a:defRPr sz="2400">
-                <a:solidFill>
-                  <a:schemeClr val="tx1"/>
-                </a:solidFill>
-                <a:latin typeface="Arial" charset="0"/>
-                <a:ea typeface="ＭＳ Ｐゴシック" charset="0"/>
-              </a:defRPr>
-            </a:lvl9pPr>
-          </a:lstStyle>
-          <a:p>
-            <a:pPr eaLnBrk="1" hangingPunct="1"/>
-            <a:fld id="{047C8C39-31A5-BB46-9991-A41ACE8D4E18}" type="slidenum">
-              <a:rPr lang="en-US" sz="1300">
-                <a:latin typeface="Calibri" charset="0"/>
-              </a:rPr>
-              <a:pPr eaLnBrk="1" hangingPunct="1"/>
-              <a:t>4</a:t>
-            </a:fld>
-            <a:endParaRPr lang="en-US" sz="1300">
-              <a:latin typeface="Calibri" charset="0"/>
-            </a:endParaRPr>
-          </a:p>
-        </p:txBody>
-      </p:sp>
-    </p:spTree>
-  </p:cSld>
-  <p:clrMapOvr>
-    <a:masterClrMapping/>
-  </p:clrMapOvr>
-</p:notes>
-</file>
-
-<file path=ppt/notesSlides/notesSlide3.xml><?xml version="1.0" encoding="utf-8"?>
-<p:notes xmlns:a="http://schemas.openxmlformats.org/drawingml/2006/main" xmlns:r="http://schemas.openxmlformats.org/officeDocument/2006/relationships" xmlns:p="http://schemas.openxmlformats.org/presentationml/2006/main">
-  <p:cSld>
-    <p:spTree>
-      <p:nvGrpSpPr>
-        <p:cNvPr id="1" name=""/>
-        <p:cNvGrpSpPr/>
-        <p:nvPr/>
-      </p:nvGrpSpPr>
-      <p:grpSpPr>
-        <a:xfrm>
-          <a:off x="0" y="0"/>
-          <a:ext cx="0" cy="0"/>
-          <a:chOff x="0" y="0"/>
-          <a:chExt cx="0" cy="0"/>
-        </a:xfrm>
-      </p:grpSpPr>
-      <p:sp>
-        <p:nvSpPr>
-          <p:cNvPr id="2" name="Slide Image Placeholder 1"/>
-          <p:cNvSpPr>
-            <a:spLocks noGrp="1" noRot="1" noChangeAspect="1"/>
-          </p:cNvSpPr>
-          <p:nvPr>
-            <p:ph type="sldImg"/>
-          </p:nvPr>
-        </p:nvSpPr>
-        <p:spPr/>
-      </p:sp>
-      <p:sp>
-        <p:nvSpPr>
-          <p:cNvPr id="3" name="Notes Placeholder 2"/>
-          <p:cNvSpPr>
-            <a:spLocks noGrp="1"/>
-          </p:cNvSpPr>
-          <p:nvPr>
-            <p:ph type="body" idx="1"/>
-          </p:nvPr>
-        </p:nvSpPr>
-        <p:spPr/>
-        <p:txBody>
-          <a:bodyPr/>
-          <a:lstStyle/>
-          <a:p>
-            <a:endParaRPr lang="en-US"/>
-          </a:p>
-        </p:txBody>
-      </p:sp>
-      <p:sp>
-        <p:nvSpPr>
-          <p:cNvPr id="4" name="Slide Number Placeholder 3"/>
-          <p:cNvSpPr>
-            <a:spLocks noGrp="1"/>
-          </p:cNvSpPr>
-          <p:nvPr>
-            <p:ph type="sldNum" sz="quarter" idx="10"/>
-          </p:nvPr>
-        </p:nvSpPr>
-        <p:spPr/>
-        <p:txBody>
-          <a:bodyPr/>
-          <a:lstStyle/>
-          <a:p>
-            <a:pPr>
-              <a:defRPr/>
-            </a:pPr>
-            <a:fld id="{F3969550-FBCF-404B-9FAA-7B1DCDF2C4FF}" type="slidenum">
-              <a:rPr lang="en-US" smtClean="0"/>
-              <a:pPr>
-                <a:defRPr/>
-              </a:pPr>
-              <a:t>5</a:t>
-            </a:fld>
-            <a:endParaRPr lang="en-US"/>
-          </a:p>
-        </p:txBody>
-      </p:sp>
-    </p:spTree>
-    <p:extLst>
-      <p:ext uri="{BB962C8B-B14F-4D97-AF65-F5344CB8AC3E}">
-        <p14:creationId xmlns:p14="http://schemas.microsoft.com/office/powerpoint/2010/main" val="511221705"/>
-      </p:ext>
-    </p:extLst>
-  </p:cSld>
-  <p:clrMapOvr>
-    <a:masterClrMapping/>
-  </p:clrMapOvr>
-</p:notes>
-</file>
-
-<file path=ppt/notesSlides/notesSlide4.xml><?xml version="1.0" encoding="utf-8"?>
-<p:notes xmlns:a="http://schemas.openxmlformats.org/drawingml/2006/main" xmlns:r="http://schemas.openxmlformats.org/officeDocument/2006/relationships" xmlns:p="http://schemas.openxmlformats.org/presentationml/2006/main">
-  <p:cSld>
-    <p:spTree>
-      <p:nvGrpSpPr>
-        <p:cNvPr id="1" name=""/>
-        <p:cNvGrpSpPr/>
-        <p:nvPr/>
-      </p:nvGrpSpPr>
-      <p:grpSpPr>
-        <a:xfrm>
-          <a:off x="0" y="0"/>
-          <a:ext cx="0" cy="0"/>
-          <a:chOff x="0" y="0"/>
-          <a:chExt cx="0" cy="0"/>
-        </a:xfrm>
-      </p:grpSpPr>
-      <p:sp>
-        <p:nvSpPr>
-          <p:cNvPr id="2" name="Slide Image Placeholder 1"/>
-          <p:cNvSpPr>
-            <a:spLocks noGrp="1" noRot="1" noChangeAspect="1"/>
-          </p:cNvSpPr>
-          <p:nvPr>
-            <p:ph type="sldImg"/>
-          </p:nvPr>
-        </p:nvSpPr>
-        <p:spPr/>
-      </p:sp>
-      <p:sp>
-        <p:nvSpPr>
-          <p:cNvPr id="3" name="Notes Placeholder 2"/>
-          <p:cNvSpPr>
-            <a:spLocks noGrp="1"/>
-          </p:cNvSpPr>
-          <p:nvPr>
-            <p:ph type="body" idx="1"/>
-          </p:nvPr>
-        </p:nvSpPr>
-        <p:spPr/>
-        <p:txBody>
-          <a:bodyPr/>
-          <a:lstStyle/>
-          <a:p>
-            <a:endParaRPr lang="en-US"/>
-          </a:p>
-        </p:txBody>
-      </p:sp>
-      <p:sp>
-        <p:nvSpPr>
-          <p:cNvPr id="4" name="Slide Number Placeholder 3"/>
-          <p:cNvSpPr>
-            <a:spLocks noGrp="1"/>
-          </p:cNvSpPr>
-          <p:nvPr>
-            <p:ph type="sldNum" sz="quarter" idx="10"/>
-          </p:nvPr>
-        </p:nvSpPr>
-        <p:spPr/>
-        <p:txBody>
-          <a:bodyPr/>
-          <a:lstStyle/>
-          <a:p>
-            <a:pPr>
-              <a:defRPr/>
-            </a:pPr>
-            <a:fld id="{F3969550-FBCF-404B-9FAA-7B1DCDF2C4FF}" type="slidenum">
-              <a:rPr lang="en-US" smtClean="0"/>
-              <a:pPr>
-                <a:defRPr/>
-              </a:pPr>
-              <a:t>6</a:t>
-            </a:fld>
-            <a:endParaRPr lang="en-US"/>
-          </a:p>
-        </p:txBody>
-      </p:sp>
-    </p:spTree>
-    <p:extLst>
-      <p:ext uri="{BB962C8B-B14F-4D97-AF65-F5344CB8AC3E}">
-        <p14:creationId xmlns:p14="http://schemas.microsoft.com/office/powerpoint/2010/main" val="2701529002"/>
-      </p:ext>
-    </p:extLst>
-  </p:cSld>
-  <p:clrMapOvr>
-    <a:masterClrMapping/>
-  </p:clrMapOvr>
-</p:notes>
-</file>
-
-<file path=ppt/notesSlides/notesSlide5.xml><?xml version="1.0" encoding="utf-8"?>
-<p:notes xmlns:a="http://schemas.openxmlformats.org/drawingml/2006/main" xmlns:r="http://schemas.openxmlformats.org/officeDocument/2006/relationships" xmlns:p="http://schemas.openxmlformats.org/presentationml/2006/main">
-  <p:cSld>
-    <p:spTree>
-      <p:nvGrpSpPr>
-        <p:cNvPr id="1" name=""/>
-        <p:cNvGrpSpPr/>
-        <p:nvPr/>
-      </p:nvGrpSpPr>
-      <p:grpSpPr>
-        <a:xfrm>
-          <a:off x="0" y="0"/>
-          <a:ext cx="0" cy="0"/>
-          <a:chOff x="0" y="0"/>
-          <a:chExt cx="0" cy="0"/>
-        </a:xfrm>
-      </p:grpSpPr>
-      <p:sp>
-        <p:nvSpPr>
-          <p:cNvPr id="2" name="Slide Image Placeholder 1"/>
-          <p:cNvSpPr>
-            <a:spLocks noGrp="1" noRot="1" noChangeAspect="1"/>
-          </p:cNvSpPr>
-          <p:nvPr>
-            <p:ph type="sldImg"/>
-          </p:nvPr>
-        </p:nvSpPr>
-        <p:spPr/>
-      </p:sp>
-      <p:sp>
-        <p:nvSpPr>
-          <p:cNvPr id="3" name="Notes Placeholder 2"/>
-          <p:cNvSpPr>
-            <a:spLocks noGrp="1"/>
-          </p:cNvSpPr>
-          <p:nvPr>
-            <p:ph type="body" idx="1"/>
-          </p:nvPr>
-        </p:nvSpPr>
-        <p:spPr/>
-        <p:txBody>
-          <a:bodyPr/>
-          <a:lstStyle/>
-          <a:p>
-            <a:endParaRPr lang="en-US"/>
-          </a:p>
-        </p:txBody>
-      </p:sp>
-      <p:sp>
-        <p:nvSpPr>
-          <p:cNvPr id="4" name="Slide Number Placeholder 3"/>
-          <p:cNvSpPr>
-            <a:spLocks noGrp="1"/>
-          </p:cNvSpPr>
-          <p:nvPr>
-            <p:ph type="sldNum" sz="quarter" idx="10"/>
-          </p:nvPr>
-        </p:nvSpPr>
-        <p:spPr/>
-        <p:txBody>
-          <a:bodyPr/>
-          <a:lstStyle/>
-          <a:p>
-            <a:pPr>
-              <a:defRPr/>
-            </a:pPr>
-            <a:fld id="{F3969550-FBCF-404B-9FAA-7B1DCDF2C4FF}" type="slidenum">
-              <a:rPr lang="en-US" smtClean="0"/>
-              <a:pPr>
-                <a:defRPr/>
-              </a:pPr>
-              <a:t>7</a:t>
-            </a:fld>
-            <a:endParaRPr lang="en-US"/>
-          </a:p>
-        </p:txBody>
-      </p:sp>
-    </p:spTree>
-    <p:extLst>
-      <p:ext uri="{BB962C8B-B14F-4D97-AF65-F5344CB8AC3E}">
-        <p14:creationId xmlns:p14="http://schemas.microsoft.com/office/powerpoint/2010/main" val="2745636760"/>
-      </p:ext>
-    </p:extLst>
-  </p:cSld>
-  <p:clrMapOvr>
-    <a:masterClrMapping/>
-  </p:clrMapOvr>
-</p:notes>
-</file>
-
-<file path=ppt/notesSlides/notesSlide6.xml><?xml version="1.0" encoding="utf-8"?>
-<p:notes xmlns:a="http://schemas.openxmlformats.org/drawingml/2006/main" xmlns:r="http://schemas.openxmlformats.org/officeDocument/2006/relationships" xmlns:p="http://schemas.openxmlformats.org/presentationml/2006/main">
-  <p:cSld>
-    <p:spTree>
-      <p:nvGrpSpPr>
-        <p:cNvPr id="1" name=""/>
-        <p:cNvGrpSpPr/>
-        <p:nvPr/>
-      </p:nvGrpSpPr>
-      <p:grpSpPr>
-        <a:xfrm>
-          <a:off x="0" y="0"/>
-          <a:ext cx="0" cy="0"/>
-          <a:chOff x="0" y="0"/>
-          <a:chExt cx="0" cy="0"/>
-        </a:xfrm>
-      </p:grpSpPr>
-      <p:sp>
-        <p:nvSpPr>
-          <p:cNvPr id="2" name="Slide Image Placeholder 1"/>
-          <p:cNvSpPr>
-            <a:spLocks noGrp="1" noRot="1" noChangeAspect="1"/>
-          </p:cNvSpPr>
-          <p:nvPr>
-            <p:ph type="sldImg"/>
-          </p:nvPr>
-        </p:nvSpPr>
-        <p:spPr/>
-      </p:sp>
-      <p:sp>
-        <p:nvSpPr>
-          <p:cNvPr id="3" name="Notes Placeholder 2"/>
-          <p:cNvSpPr>
-            <a:spLocks noGrp="1"/>
-          </p:cNvSpPr>
-          <p:nvPr>
-            <p:ph type="body" idx="1"/>
-          </p:nvPr>
-        </p:nvSpPr>
-        <p:spPr/>
-        <p:txBody>
-          <a:bodyPr/>
-          <a:lstStyle/>
-          <a:p>
-            <a:endParaRPr lang="en-US"/>
-          </a:p>
-        </p:txBody>
-      </p:sp>
-      <p:sp>
-        <p:nvSpPr>
-          <p:cNvPr id="4" name="Slide Number Placeholder 3"/>
-          <p:cNvSpPr>
-            <a:spLocks noGrp="1"/>
-          </p:cNvSpPr>
-          <p:nvPr>
-            <p:ph type="sldNum" sz="quarter" idx="10"/>
-          </p:nvPr>
-        </p:nvSpPr>
-        <p:spPr/>
-        <p:txBody>
-          <a:bodyPr/>
-          <a:lstStyle/>
-          <a:p>
-            <a:pPr>
-              <a:defRPr/>
-            </a:pPr>
-            <a:fld id="{F3969550-FBCF-404B-9FAA-7B1DCDF2C4FF}" type="slidenum">
-              <a:rPr lang="en-US" smtClean="0"/>
-              <a:pPr>
-                <a:defRPr/>
-              </a:pPr>
-              <a:t>8</a:t>
-            </a:fld>
-            <a:endParaRPr lang="en-US"/>
-          </a:p>
-        </p:txBody>
-      </p:sp>
-    </p:spTree>
-    <p:extLst>
-      <p:ext uri="{BB962C8B-B14F-4D97-AF65-F5344CB8AC3E}">
-        <p14:creationId xmlns:p14="http://schemas.microsoft.com/office/powerpoint/2010/main" val="486908824"/>
-      </p:ext>
-    </p:extLst>
-  </p:cSld>
-  <p:clrMapOvr>
-    <a:masterClrMapping/>
-  </p:clrMapOvr>
-</p:notes>
-</file>
-
-<file path=ppt/notesSlides/notesSlide7.xml><?xml version="1.0" encoding="utf-8"?>
-<p:notes xmlns:a="http://schemas.openxmlformats.org/drawingml/2006/main" xmlns:r="http://schemas.openxmlformats.org/officeDocument/2006/relationships" xmlns:p="http://schemas.openxmlformats.org/presentationml/2006/main">
-  <p:cSld>
-    <p:spTree>
-      <p:nvGrpSpPr>
-        <p:cNvPr id="1" name=""/>
-        <p:cNvGrpSpPr/>
-        <p:nvPr/>
-      </p:nvGrpSpPr>
-      <p:grpSpPr>
-        <a:xfrm>
-          <a:off x="0" y="0"/>
-          <a:ext cx="0" cy="0"/>
-          <a:chOff x="0" y="0"/>
-          <a:chExt cx="0" cy="0"/>
-        </a:xfrm>
-      </p:grpSpPr>
-      <p:sp>
-        <p:nvSpPr>
-          <p:cNvPr id="2" name="Slide Image Placeholder 1"/>
-          <p:cNvSpPr>
-            <a:spLocks noGrp="1" noRot="1" noChangeAspect="1"/>
-          </p:cNvSpPr>
-          <p:nvPr>
-            <p:ph type="sldImg"/>
-          </p:nvPr>
-        </p:nvSpPr>
-        <p:spPr/>
-      </p:sp>
-      <p:sp>
-        <p:nvSpPr>
-          <p:cNvPr id="3" name="Notes Placeholder 2"/>
-          <p:cNvSpPr>
-            <a:spLocks noGrp="1"/>
-          </p:cNvSpPr>
-          <p:nvPr>
-            <p:ph type="body" idx="1"/>
-          </p:nvPr>
-        </p:nvSpPr>
-        <p:spPr/>
-        <p:txBody>
-          <a:bodyPr/>
-          <a:lstStyle/>
-          <a:p>
-            <a:endParaRPr lang="en-US"/>
-          </a:p>
-        </p:txBody>
-      </p:sp>
-      <p:sp>
-        <p:nvSpPr>
-          <p:cNvPr id="4" name="Slide Number Placeholder 3"/>
-          <p:cNvSpPr>
-            <a:spLocks noGrp="1"/>
-          </p:cNvSpPr>
-          <p:nvPr>
-            <p:ph type="sldNum" sz="quarter" idx="10"/>
-          </p:nvPr>
-        </p:nvSpPr>
-        <p:spPr/>
-        <p:txBody>
-          <a:bodyPr/>
-          <a:lstStyle/>
-          <a:p>
-            <a:pPr>
-              <a:defRPr/>
-            </a:pPr>
-            <a:fld id="{F3969550-FBCF-404B-9FAA-7B1DCDF2C4FF}" type="slidenum">
-              <a:rPr lang="en-US" smtClean="0"/>
-              <a:pPr>
-                <a:defRPr/>
-              </a:pPr>
-              <a:t>9</a:t>
-            </a:fld>
-            <a:endParaRPr lang="en-US"/>
-          </a:p>
-        </p:txBody>
-      </p:sp>
-    </p:spTree>
-    <p:extLst>
-      <p:ext uri="{BB962C8B-B14F-4D97-AF65-F5344CB8AC3E}">
-        <p14:creationId xmlns:p14="http://schemas.microsoft.com/office/powerpoint/2010/main" val="3763712788"/>
-      </p:ext>
-    </p:extLst>
-  </p:cSld>
-  <p:clrMapOvr>
-    <a:masterClrMapping/>
-  </p:clrMapOvr>
-</p:notes>
-</file>
-
-<file path=ppt/notesSlides/notesSlide8.xml><?xml version="1.0" encoding="utf-8"?>
-<p:notes xmlns:a="http://schemas.openxmlformats.org/drawingml/2006/main" xmlns:r="http://schemas.openxmlformats.org/officeDocument/2006/relationships" xmlns:p="http://schemas.openxmlformats.org/presentationml/2006/main">
-  <p:cSld>
-    <p:spTree>
-      <p:nvGrpSpPr>
-        <p:cNvPr id="1" name=""/>
-        <p:cNvGrpSpPr/>
-        <p:nvPr/>
-      </p:nvGrpSpPr>
-      <p:grpSpPr>
-        <a:xfrm>
-          <a:off x="0" y="0"/>
-          <a:ext cx="0" cy="0"/>
-          <a:chOff x="0" y="0"/>
-          <a:chExt cx="0" cy="0"/>
-        </a:xfrm>
-      </p:grpSpPr>
-      <p:sp>
-        <p:nvSpPr>
-          <p:cNvPr id="2" name="Slide Image Placeholder 1"/>
-          <p:cNvSpPr>
-            <a:spLocks noGrp="1" noRot="1" noChangeAspect="1"/>
-          </p:cNvSpPr>
-          <p:nvPr>
-            <p:ph type="sldImg"/>
-          </p:nvPr>
-        </p:nvSpPr>
-        <p:spPr/>
-      </p:sp>
-      <p:sp>
-        <p:nvSpPr>
-          <p:cNvPr id="3" name="Notes Placeholder 2"/>
-          <p:cNvSpPr>
-            <a:spLocks noGrp="1"/>
-          </p:cNvSpPr>
-          <p:nvPr>
-            <p:ph type="body" idx="1"/>
-          </p:nvPr>
-        </p:nvSpPr>
-        <p:spPr/>
-        <p:txBody>
-          <a:bodyPr/>
-          <a:lstStyle/>
-          <a:p>
-            <a:endParaRPr lang="en-US"/>
-          </a:p>
-        </p:txBody>
-      </p:sp>
-      <p:sp>
-        <p:nvSpPr>
-          <p:cNvPr id="4" name="Slide Number Placeholder 3"/>
-          <p:cNvSpPr>
-            <a:spLocks noGrp="1"/>
-          </p:cNvSpPr>
-          <p:nvPr>
-            <p:ph type="sldNum" sz="quarter" idx="10"/>
-          </p:nvPr>
-        </p:nvSpPr>
-        <p:spPr/>
-        <p:txBody>
-          <a:bodyPr/>
-          <a:lstStyle/>
-          <a:p>
-            <a:pPr>
-              <a:defRPr/>
-            </a:pPr>
-            <a:fld id="{F3969550-FBCF-404B-9FAA-7B1DCDF2C4FF}" type="slidenum">
-              <a:rPr lang="en-US" smtClean="0"/>
-              <a:pPr>
-                <a:defRPr/>
-              </a:pPr>
-              <a:t>10</a:t>
-            </a:fld>
-            <a:endParaRPr lang="en-US"/>
-          </a:p>
-        </p:txBody>
-      </p:sp>
-    </p:spTree>
-    <p:extLst>
-      <p:ext uri="{BB962C8B-B14F-4D97-AF65-F5344CB8AC3E}">
-        <p14:creationId xmlns:p14="http://schemas.microsoft.com/office/powerpoint/2010/main" val="1159136935"/>
-      </p:ext>
-    </p:extLst>
-  </p:cSld>
-  <p:clrMapOvr>
-    <a:masterClrMapping/>
-  </p:clrMapOvr>
-</p:notes>
-</file>
-
-<file path=ppt/notesSlides/notesSlide9.xml><?xml version="1.0" encoding="utf-8"?>
-<p:notes xmlns:a="http://schemas.openxmlformats.org/drawingml/2006/main" xmlns:r="http://schemas.openxmlformats.org/officeDocument/2006/relationships" xmlns:p="http://schemas.openxmlformats.org/presentationml/2006/main">
-  <p:cSld>
-    <p:spTree>
-      <p:nvGrpSpPr>
-        <p:cNvPr id="1" name=""/>
-        <p:cNvGrpSpPr/>
-        <p:nvPr/>
-      </p:nvGrpSpPr>
-      <p:grpSpPr>
-        <a:xfrm>
-          <a:off x="0" y="0"/>
-          <a:ext cx="0" cy="0"/>
-          <a:chOff x="0" y="0"/>
-          <a:chExt cx="0" cy="0"/>
-        </a:xfrm>
-      </p:grpSpPr>
-      <p:sp>
-        <p:nvSpPr>
-          <p:cNvPr id="2" name="Slide Image Placeholder 1"/>
-          <p:cNvSpPr>
-            <a:spLocks noGrp="1" noRot="1" noChangeAspect="1"/>
-          </p:cNvSpPr>
-          <p:nvPr>
-            <p:ph type="sldImg"/>
-          </p:nvPr>
-        </p:nvSpPr>
-        <p:spPr/>
-      </p:sp>
-      <p:sp>
-        <p:nvSpPr>
-          <p:cNvPr id="3" name="Notes Placeholder 2"/>
-          <p:cNvSpPr>
-            <a:spLocks noGrp="1"/>
-          </p:cNvSpPr>
-          <p:nvPr>
-            <p:ph type="body" idx="1"/>
-          </p:nvPr>
-        </p:nvSpPr>
-        <p:spPr/>
-        <p:txBody>
-          <a:bodyPr/>
-          <a:lstStyle/>
-          <a:p>
-            <a:endParaRPr lang="en-US"/>
-          </a:p>
-        </p:txBody>
-      </p:sp>
-      <p:sp>
-        <p:nvSpPr>
-          <p:cNvPr id="4" name="Slide Number Placeholder 3"/>
-          <p:cNvSpPr>
-            <a:spLocks noGrp="1"/>
-          </p:cNvSpPr>
-          <p:nvPr>
-            <p:ph type="sldNum" sz="quarter" idx="10"/>
-          </p:nvPr>
-        </p:nvSpPr>
-        <p:spPr/>
-        <p:txBody>
-          <a:bodyPr/>
-          <a:lstStyle/>
-          <a:p>
-            <a:pPr>
-              <a:defRPr/>
-            </a:pPr>
-            <a:fld id="{F3969550-FBCF-404B-9FAA-7B1DCDF2C4FF}" type="slidenum">
-              <a:rPr lang="en-US" smtClean="0"/>
-              <a:pPr>
-                <a:defRPr/>
-              </a:pPr>
-              <a:t>11</a:t>
-            </a:fld>
-            <a:endParaRPr lang="en-US"/>
-          </a:p>
-        </p:txBody>
-      </p:sp>
-    </p:spTree>
-    <p:extLst>
-      <p:ext uri="{BB962C8B-B14F-4D97-AF65-F5344CB8AC3E}">
-        <p14:creationId xmlns:p14="http://schemas.microsoft.com/office/powerpoint/2010/main" val="2992029332"/>
+        <p14:creationId xmlns:p14="http://schemas.microsoft.com/office/powerpoint/2010/main" val="3053102900"/>
       </p:ext>
     </p:extLst>
   </p:cSld>
@@ -4285,7 +3316,7 @@
               <a:pPr>
                 <a:defRPr/>
               </a:pPr>
-              <a:t>11/13/18</a:t>
+              <a:t>11/14/18</a:t>
             </a:fld>
             <a:endParaRPr lang="en-US"/>
           </a:p>
@@ -5041,659 +4072,6 @@
       </p:grpSpPr>
       <p:sp>
         <p:nvSpPr>
-          <p:cNvPr id="17409" name="Title 1"/>
-          <p:cNvSpPr>
-            <a:spLocks noGrp="1"/>
-          </p:cNvSpPr>
-          <p:nvPr>
-            <p:ph type="title"/>
-          </p:nvPr>
-        </p:nvSpPr>
-        <p:spPr>
-          <a:xfrm>
-            <a:off x="152400" y="-26988"/>
-            <a:ext cx="8839200" cy="1143001"/>
-          </a:xfrm>
-        </p:spPr>
-        <p:txBody>
-          <a:bodyPr/>
-          <a:lstStyle/>
-          <a:p>
-            <a:r>
-              <a:rPr lang="en-US">
-                <a:latin typeface="Calibri" charset="0"/>
-                <a:ea typeface="ＭＳ Ｐゴシック" charset="0"/>
-              </a:rPr>
-              <a:t>Useful resources and discussion</a:t>
-            </a:r>
-          </a:p>
-        </p:txBody>
-      </p:sp>
-      <p:sp>
-        <p:nvSpPr>
-          <p:cNvPr id="3" name="Content Placeholder 2"/>
-          <p:cNvSpPr>
-            <a:spLocks noGrp="1"/>
-          </p:cNvSpPr>
-          <p:nvPr>
-            <p:ph idx="1"/>
-          </p:nvPr>
-        </p:nvSpPr>
-        <p:spPr>
-          <a:xfrm>
-            <a:off x="152400" y="1341438"/>
-            <a:ext cx="8839200" cy="4724400"/>
-          </a:xfrm>
-        </p:spPr>
-        <p:txBody>
-          <a:bodyPr>
-            <a:normAutofit fontScale="85000" lnSpcReduction="20000"/>
-          </a:bodyPr>
-          <a:lstStyle/>
-          <a:p>
-            <a:pPr>
-              <a:defRPr/>
-            </a:pPr>
-            <a:r>
-              <a:rPr lang="en-US" dirty="0"/>
-              <a:t>Best approach to predict novel and alternative splicing events from RNA-seq </a:t>
-            </a:r>
-            <a:r>
-              <a:rPr lang="en-US" dirty="0" smtClean="0"/>
-              <a:t>data</a:t>
-            </a:r>
-          </a:p>
-          <a:p>
-            <a:pPr lvl="1">
-              <a:defRPr/>
-            </a:pPr>
-            <a:r>
-              <a:rPr lang="en-US" dirty="0">
-                <a:hlinkClick r:id="rId3"/>
-              </a:rPr>
-              <a:t>http://www.biostars.org/p/68966</a:t>
-            </a:r>
-            <a:r>
-              <a:rPr lang="en-US" dirty="0" smtClean="0">
-                <a:hlinkClick r:id="rId3"/>
-              </a:rPr>
-              <a:t>/</a:t>
-            </a:r>
-            <a:endParaRPr lang="en-US" dirty="0" smtClean="0"/>
-          </a:p>
-          <a:p>
-            <a:pPr lvl="1">
-              <a:defRPr/>
-            </a:pPr>
-            <a:r>
-              <a:rPr lang="en-US" dirty="0">
-                <a:hlinkClick r:id="rId4"/>
-              </a:rPr>
-              <a:t>http://www.biostars.org/p/62728</a:t>
-            </a:r>
-            <a:r>
-              <a:rPr lang="en-US" dirty="0" smtClean="0">
-                <a:hlinkClick r:id="rId4"/>
-              </a:rPr>
-              <a:t>/</a:t>
-            </a:r>
-            <a:endParaRPr lang="en-US" dirty="0" smtClean="0"/>
-          </a:p>
-          <a:p>
-            <a:pPr>
-              <a:defRPr/>
-            </a:pPr>
-            <a:r>
-              <a:rPr lang="en-US" dirty="0"/>
-              <a:t>Alternative splicing </a:t>
-            </a:r>
-            <a:r>
-              <a:rPr lang="en-US" dirty="0" smtClean="0"/>
-              <a:t>detection</a:t>
-            </a:r>
-          </a:p>
-          <a:p>
-            <a:pPr lvl="1">
-              <a:defRPr/>
-            </a:pPr>
-            <a:r>
-              <a:rPr lang="en-US" dirty="0">
-                <a:hlinkClick r:id="rId5"/>
-              </a:rPr>
-              <a:t>http://www.biostars.org/p/65617</a:t>
-            </a:r>
-            <a:r>
-              <a:rPr lang="en-US" dirty="0" smtClean="0">
-                <a:hlinkClick r:id="rId5"/>
-              </a:rPr>
-              <a:t>/</a:t>
-            </a:r>
-            <a:endParaRPr lang="en-US" dirty="0" smtClean="0"/>
-          </a:p>
-          <a:p>
-            <a:pPr lvl="1">
-              <a:defRPr/>
-            </a:pPr>
-            <a:r>
-              <a:rPr lang="en-US" dirty="0">
-                <a:hlinkClick r:id="rId6"/>
-              </a:rPr>
-              <a:t>http://www.biostars.org/p/11695</a:t>
-            </a:r>
-            <a:r>
-              <a:rPr lang="en-US" dirty="0" smtClean="0">
-                <a:hlinkClick r:id="rId6"/>
-              </a:rPr>
-              <a:t>/</a:t>
-            </a:r>
-            <a:endParaRPr lang="en-US" dirty="0" smtClean="0"/>
-          </a:p>
-          <a:p>
-            <a:pPr>
-              <a:defRPr/>
-            </a:pPr>
-            <a:r>
-              <a:rPr lang="en-US" dirty="0"/>
-              <a:t>Identifying genes that express different isoforms in cancer </a:t>
-            </a:r>
-            <a:r>
-              <a:rPr lang="en-US" dirty="0" err="1"/>
-              <a:t>vs</a:t>
-            </a:r>
-            <a:r>
-              <a:rPr lang="en-US" dirty="0"/>
-              <a:t> normal RNA-seq data</a:t>
-            </a:r>
-          </a:p>
-          <a:p>
-            <a:pPr lvl="1">
-              <a:defRPr/>
-            </a:pPr>
-            <a:r>
-              <a:rPr lang="en-US" dirty="0">
-                <a:hlinkClick r:id="rId7"/>
-              </a:rPr>
-              <a:t>http://www.biostars.org/p/50365</a:t>
-            </a:r>
-            <a:r>
-              <a:rPr lang="en-US" dirty="0" smtClean="0">
-                <a:hlinkClick r:id="rId7"/>
-              </a:rPr>
-              <a:t>/</a:t>
-            </a:r>
-            <a:endParaRPr lang="en-US" dirty="0" smtClean="0"/>
-          </a:p>
-          <a:p>
-            <a:pPr>
-              <a:defRPr/>
-            </a:pPr>
-            <a:r>
-              <a:rPr lang="en-US" dirty="0" smtClean="0"/>
-              <a:t>Cufflinks </a:t>
-            </a:r>
-            <a:r>
-              <a:rPr lang="en-US" dirty="0"/>
-              <a:t>/ </a:t>
-            </a:r>
-            <a:r>
-              <a:rPr lang="en-US" dirty="0" err="1"/>
-              <a:t>Cuffdiff</a:t>
-            </a:r>
-            <a:r>
-              <a:rPr lang="en-US" dirty="0"/>
-              <a:t> Output - How are tests different</a:t>
-            </a:r>
-            <a:r>
-              <a:rPr lang="en-US" dirty="0" smtClean="0"/>
-              <a:t>?</a:t>
-            </a:r>
-          </a:p>
-          <a:p>
-            <a:pPr lvl="1">
-              <a:defRPr/>
-            </a:pPr>
-            <a:r>
-              <a:rPr lang="en-US" dirty="0">
-                <a:hlinkClick r:id="rId8"/>
-              </a:rPr>
-              <a:t>http://www.biostars.org/p/13525</a:t>
-            </a:r>
-            <a:r>
-              <a:rPr lang="en-US" dirty="0" smtClean="0">
-                <a:hlinkClick r:id="rId8"/>
-              </a:rPr>
-              <a:t>/</a:t>
-            </a:r>
-            <a:endParaRPr lang="en-US" dirty="0" smtClean="0"/>
-          </a:p>
-          <a:p>
-            <a:pPr>
-              <a:defRPr/>
-            </a:pPr>
-            <a:r>
-              <a:rPr lang="en-US" dirty="0" smtClean="0"/>
-              <a:t>Visualization </a:t>
-            </a:r>
-            <a:r>
-              <a:rPr lang="en-US" dirty="0"/>
-              <a:t>of </a:t>
-            </a:r>
-            <a:r>
-              <a:rPr lang="en-US" dirty="0" smtClean="0"/>
-              <a:t>alternative </a:t>
-            </a:r>
-            <a:r>
-              <a:rPr lang="en-US" dirty="0"/>
-              <a:t>splicing events using RNA-seq </a:t>
-            </a:r>
-            <a:r>
-              <a:rPr lang="en-US" dirty="0" smtClean="0"/>
-              <a:t>data</a:t>
-            </a:r>
-          </a:p>
-          <a:p>
-            <a:pPr lvl="1">
-              <a:defRPr/>
-            </a:pPr>
-            <a:r>
-              <a:rPr lang="en-US" dirty="0">
-                <a:hlinkClick r:id="rId9"/>
-              </a:rPr>
-              <a:t>http://www.biostars.org/p/8979</a:t>
-            </a:r>
-            <a:r>
-              <a:rPr lang="en-US" dirty="0" smtClean="0">
-                <a:hlinkClick r:id="rId9"/>
-              </a:rPr>
-              <a:t>/</a:t>
-            </a:r>
-            <a:endParaRPr lang="en-US" dirty="0" smtClean="0"/>
-          </a:p>
-        </p:txBody>
-      </p:sp>
-    </p:spTree>
-    <p:extLst>
-      <p:ext uri="{BB962C8B-B14F-4D97-AF65-F5344CB8AC3E}">
-        <p14:creationId xmlns:p14="http://schemas.microsoft.com/office/powerpoint/2010/main" val="1441869908"/>
-      </p:ext>
-    </p:extLst>
-  </p:cSld>
-  <p:clrMapOvr>
-    <a:masterClrMapping/>
-  </p:clrMapOvr>
-  <p:timing>
-    <p:tnLst>
-      <p:par>
-        <p:cTn xmlns:p14="http://schemas.microsoft.com/office/powerpoint/2010/main" id="1" dur="indefinite" restart="never" nodeType="tmRoot"/>
-      </p:par>
-    </p:tnLst>
-  </p:timing>
-</p:sld>
-</file>
-
-<file path=ppt/slides/slide11.xml><?xml version="1.0" encoding="utf-8"?>
-<p:sld xmlns:a="http://schemas.openxmlformats.org/drawingml/2006/main" xmlns:r="http://schemas.openxmlformats.org/officeDocument/2006/relationships" xmlns:p="http://schemas.openxmlformats.org/presentationml/2006/main">
-  <p:cSld>
-    <p:spTree>
-      <p:nvGrpSpPr>
-        <p:cNvPr id="1" name=""/>
-        <p:cNvGrpSpPr/>
-        <p:nvPr/>
-      </p:nvGrpSpPr>
-      <p:grpSpPr>
-        <a:xfrm>
-          <a:off x="0" y="0"/>
-          <a:ext cx="0" cy="0"/>
-          <a:chOff x="0" y="0"/>
-          <a:chExt cx="0" cy="0"/>
-        </a:xfrm>
-      </p:grpSpPr>
-      <p:sp>
-        <p:nvSpPr>
-          <p:cNvPr id="20481" name="Title 1"/>
-          <p:cNvSpPr>
-            <a:spLocks noGrp="1"/>
-          </p:cNvSpPr>
-          <p:nvPr>
-            <p:ph type="title"/>
-          </p:nvPr>
-        </p:nvSpPr>
-        <p:spPr>
-          <a:xfrm>
-            <a:off x="152400" y="-26988"/>
-            <a:ext cx="8839200" cy="1143001"/>
-          </a:xfrm>
-        </p:spPr>
-        <p:txBody>
-          <a:bodyPr/>
-          <a:lstStyle/>
-          <a:p>
-            <a:r>
-              <a:rPr lang="en-US">
-                <a:latin typeface="Calibri" charset="0"/>
-                <a:ea typeface="ＭＳ Ｐゴシック" charset="0"/>
-              </a:rPr>
-              <a:t>Sequencing methods for studying alternative isoforms</a:t>
-            </a:r>
-          </a:p>
-        </p:txBody>
-      </p:sp>
-      <p:pic>
-        <p:nvPicPr>
-          <p:cNvPr id="20482" name="Content Placeholder 3" descr="Figure3.png"/>
-          <p:cNvPicPr>
-            <a:picLocks noGrp="1" noChangeAspect="1"/>
-          </p:cNvPicPr>
-          <p:nvPr>
-            <p:ph idx="1"/>
-          </p:nvPr>
-        </p:nvPicPr>
-        <p:blipFill>
-          <a:blip r:embed="rId3">
-            <a:extLst>
-              <a:ext uri="{28A0092B-C50C-407E-A947-70E740481C1C}">
-                <a14:useLocalDpi xmlns:a14="http://schemas.microsoft.com/office/drawing/2010/main" val="0"/>
-              </a:ext>
-            </a:extLst>
-          </a:blip>
-          <a:srcRect l="-2106" r="-1291"/>
-          <a:stretch>
-            <a:fillRect/>
-          </a:stretch>
-        </p:blipFill>
-        <p:spPr>
-          <a:xfrm>
-            <a:off x="2411413" y="1268413"/>
-            <a:ext cx="4000500" cy="4911725"/>
-          </a:xfrm>
-        </p:spPr>
-      </p:pic>
-    </p:spTree>
-    <p:extLst>
-      <p:ext uri="{BB962C8B-B14F-4D97-AF65-F5344CB8AC3E}">
-        <p14:creationId xmlns:p14="http://schemas.microsoft.com/office/powerpoint/2010/main" val="2506793982"/>
-      </p:ext>
-    </p:extLst>
-  </p:cSld>
-  <p:clrMapOvr>
-    <a:masterClrMapping/>
-  </p:clrMapOvr>
-  <p:timing>
-    <p:tnLst>
-      <p:par>
-        <p:cTn xmlns:p14="http://schemas.microsoft.com/office/powerpoint/2010/main" id="1" dur="indefinite" restart="never" nodeType="tmRoot"/>
-      </p:par>
-    </p:tnLst>
-  </p:timing>
-</p:sld>
-</file>
-
-<file path=ppt/slides/slide12.xml><?xml version="1.0" encoding="utf-8"?>
-<p:sld xmlns:a="http://schemas.openxmlformats.org/drawingml/2006/main" xmlns:r="http://schemas.openxmlformats.org/officeDocument/2006/relationships" xmlns:p="http://schemas.openxmlformats.org/presentationml/2006/main">
-  <p:cSld>
-    <p:spTree>
-      <p:nvGrpSpPr>
-        <p:cNvPr id="1" name=""/>
-        <p:cNvGrpSpPr/>
-        <p:nvPr/>
-      </p:nvGrpSpPr>
-      <p:grpSpPr>
-        <a:xfrm>
-          <a:off x="0" y="0"/>
-          <a:ext cx="0" cy="0"/>
-          <a:chOff x="0" y="0"/>
-          <a:chExt cx="0" cy="0"/>
-        </a:xfrm>
-      </p:grpSpPr>
-      <p:sp>
-        <p:nvSpPr>
-          <p:cNvPr id="23553" name="Content Placeholder 3"/>
-          <p:cNvSpPr>
-            <a:spLocks noGrp="1"/>
-          </p:cNvSpPr>
-          <p:nvPr>
-            <p:ph idx="1"/>
-          </p:nvPr>
-        </p:nvSpPr>
-        <p:spPr>
-          <a:xfrm>
-            <a:off x="152400" y="2667000"/>
-            <a:ext cx="8839200" cy="1600200"/>
-          </a:xfrm>
-        </p:spPr>
-        <p:txBody>
-          <a:bodyPr/>
-          <a:lstStyle/>
-          <a:p>
-            <a:pPr algn="ctr">
-              <a:buFont typeface="Arial" charset="0"/>
-              <a:buNone/>
-            </a:pPr>
-            <a:r>
-              <a:rPr lang="en-US" sz="4400" b="1" dirty="0">
-                <a:latin typeface="Calibri" charset="0"/>
-                <a:ea typeface="ＭＳ Ｐゴシック" charset="0"/>
-              </a:rPr>
-              <a:t>Introduction to tutorial </a:t>
-            </a:r>
-          </a:p>
-          <a:p>
-            <a:pPr algn="ctr">
-              <a:buFont typeface="Arial" charset="0"/>
-              <a:buNone/>
-            </a:pPr>
-            <a:r>
-              <a:rPr lang="en-US" sz="4400" b="1" dirty="0">
-                <a:latin typeface="Calibri" charset="0"/>
-                <a:ea typeface="ＭＳ Ｐゴシック" charset="0"/>
-              </a:rPr>
-              <a:t>(Module </a:t>
-            </a:r>
-            <a:r>
-              <a:rPr lang="en-US" sz="4400" b="1" dirty="0" smtClean="0">
-                <a:latin typeface="Calibri" charset="0"/>
-                <a:ea typeface="ＭＳ Ｐゴシック" charset="0"/>
-              </a:rPr>
-              <a:t>4)</a:t>
-            </a:r>
-            <a:endParaRPr lang="en-US" sz="4400" b="1" dirty="0">
-              <a:latin typeface="Calibri" charset="0"/>
-              <a:ea typeface="ＭＳ Ｐゴシック" charset="0"/>
-            </a:endParaRPr>
-          </a:p>
-        </p:txBody>
-      </p:sp>
-    </p:spTree>
-    <p:extLst>
-      <p:ext uri="{BB962C8B-B14F-4D97-AF65-F5344CB8AC3E}">
-        <p14:creationId xmlns:p14="http://schemas.microsoft.com/office/powerpoint/2010/main" val="3376107106"/>
-      </p:ext>
-    </p:extLst>
-  </p:cSld>
-  <p:clrMapOvr>
-    <a:masterClrMapping/>
-  </p:clrMapOvr>
-  <p:timing>
-    <p:tnLst>
-      <p:par>
-        <p:cTn xmlns:p14="http://schemas.microsoft.com/office/powerpoint/2010/main" id="1" dur="indefinite" restart="never" nodeType="tmRoot"/>
-      </p:par>
-    </p:tnLst>
-  </p:timing>
-</p:sld>
-</file>
-
-<file path=ppt/slides/slide13.xml><?xml version="1.0" encoding="utf-8"?>
-<p:sld xmlns:a="http://schemas.openxmlformats.org/drawingml/2006/main" xmlns:r="http://schemas.openxmlformats.org/officeDocument/2006/relationships" xmlns:p="http://schemas.openxmlformats.org/presentationml/2006/main">
-  <p:cSld>
-    <p:spTree>
-      <p:nvGrpSpPr>
-        <p:cNvPr id="1" name=""/>
-        <p:cNvGrpSpPr/>
-        <p:nvPr/>
-      </p:nvGrpSpPr>
-      <p:grpSpPr>
-        <a:xfrm>
-          <a:off x="0" y="0"/>
-          <a:ext cx="0" cy="0"/>
-          <a:chOff x="0" y="0"/>
-          <a:chExt cx="0" cy="0"/>
-        </a:xfrm>
-      </p:grpSpPr>
-      <p:sp>
-        <p:nvSpPr>
-          <p:cNvPr id="25603" name="Title 4"/>
-          <p:cNvSpPr>
-            <a:spLocks noGrp="1"/>
-          </p:cNvSpPr>
-          <p:nvPr>
-            <p:ph type="title"/>
-          </p:nvPr>
-        </p:nvSpPr>
-        <p:spPr>
-          <a:xfrm>
-            <a:off x="152400" y="0"/>
-            <a:ext cx="8839200" cy="1143000"/>
-          </a:xfrm>
-        </p:spPr>
-        <p:txBody>
-          <a:bodyPr/>
-          <a:lstStyle/>
-          <a:p>
-            <a:r>
-              <a:rPr lang="en-US" dirty="0" err="1" smtClean="0">
-                <a:latin typeface="Calibri" charset="0"/>
-                <a:ea typeface="ＭＳ Ｐゴシック" charset="0"/>
-              </a:rPr>
-              <a:t>HiSat</a:t>
-            </a:r>
-            <a:r>
-              <a:rPr lang="en-US" dirty="0" smtClean="0">
-                <a:latin typeface="Calibri" charset="0"/>
-                <a:ea typeface="ＭＳ Ｐゴシック" charset="0"/>
-              </a:rPr>
-              <a:t>/</a:t>
-            </a:r>
-            <a:r>
-              <a:rPr lang="en-US" dirty="0" err="1" smtClean="0">
-                <a:latin typeface="Calibri" charset="0"/>
-                <a:ea typeface="ＭＳ Ｐゴシック" charset="0"/>
-              </a:rPr>
-              <a:t>StringTie</a:t>
-            </a:r>
-            <a:r>
-              <a:rPr lang="en-US" dirty="0" smtClean="0">
-                <a:latin typeface="Calibri" charset="0"/>
-                <a:ea typeface="ＭＳ Ｐゴシック" charset="0"/>
-              </a:rPr>
-              <a:t>/</a:t>
-            </a:r>
-            <a:r>
-              <a:rPr lang="en-US" dirty="0" err="1" smtClean="0">
-                <a:latin typeface="Calibri" charset="0"/>
-                <a:ea typeface="ＭＳ Ｐゴシック" charset="0"/>
-              </a:rPr>
-              <a:t>Ballgown</a:t>
-            </a:r>
-            <a:r>
-              <a:rPr lang="en-US" dirty="0" smtClean="0">
-                <a:latin typeface="Calibri" charset="0"/>
-                <a:ea typeface="ＭＳ Ｐゴシック" charset="0"/>
-              </a:rPr>
-              <a:t> </a:t>
-            </a:r>
-            <a:r>
-              <a:rPr lang="en-US" dirty="0">
-                <a:latin typeface="Calibri" charset="0"/>
-                <a:ea typeface="ＭＳ Ｐゴシック" charset="0"/>
-              </a:rPr>
-              <a:t/>
-            </a:r>
-            <a:br>
-              <a:rPr lang="en-US" dirty="0">
-                <a:latin typeface="Calibri" charset="0"/>
-                <a:ea typeface="ＭＳ Ｐゴシック" charset="0"/>
-              </a:rPr>
-            </a:br>
-            <a:r>
-              <a:rPr lang="en-US" dirty="0">
-                <a:latin typeface="Calibri" charset="0"/>
-                <a:ea typeface="ＭＳ Ｐゴシック" charset="0"/>
-              </a:rPr>
-              <a:t>RNA-seq Pipeline</a:t>
-            </a:r>
-          </a:p>
-        </p:txBody>
-      </p:sp>
-      <p:pic>
-        <p:nvPicPr>
-          <p:cNvPr id="2" name="Picture 1" descr="RNA-seq_Flowchart5.png"/>
-          <p:cNvPicPr>
-            <a:picLocks noChangeAspect="1"/>
-          </p:cNvPicPr>
-          <p:nvPr/>
-        </p:nvPicPr>
-        <p:blipFill>
-          <a:blip r:embed="rId3">
-            <a:extLst>
-              <a:ext uri="{28A0092B-C50C-407E-A947-70E740481C1C}">
-                <a14:useLocalDpi xmlns:a14="http://schemas.microsoft.com/office/drawing/2010/main" val="0"/>
-              </a:ext>
-            </a:extLst>
-          </a:blip>
-          <a:stretch>
-            <a:fillRect/>
-          </a:stretch>
-        </p:blipFill>
-        <p:spPr>
-          <a:xfrm>
-            <a:off x="267784" y="1700808"/>
-            <a:ext cx="8552688" cy="3992880"/>
-          </a:xfrm>
-          <a:prstGeom prst="rect">
-            <a:avLst/>
-          </a:prstGeom>
-        </p:spPr>
-      </p:pic>
-    </p:spTree>
-    <p:extLst>
-      <p:ext uri="{BB962C8B-B14F-4D97-AF65-F5344CB8AC3E}">
-        <p14:creationId xmlns:p14="http://schemas.microsoft.com/office/powerpoint/2010/main" val="2385008892"/>
-      </p:ext>
-    </p:extLst>
-  </p:cSld>
-  <p:clrMapOvr>
-    <a:masterClrMapping/>
-  </p:clrMapOvr>
-  <p:timing>
-    <p:tnLst>
-      <p:par>
-        <p:cTn xmlns:p14="http://schemas.microsoft.com/office/powerpoint/2010/main" id="1" dur="indefinite" restart="never" nodeType="tmRoot"/>
-      </p:par>
-    </p:tnLst>
-  </p:timing>
-</p:sld>
-</file>
-
-<file path=ppt/slides/slide14.xml><?xml version="1.0" encoding="utf-8"?>
-<p:sld xmlns:a="http://schemas.openxmlformats.org/drawingml/2006/main" xmlns:r="http://schemas.openxmlformats.org/officeDocument/2006/relationships" xmlns:p="http://schemas.openxmlformats.org/presentationml/2006/main">
-  <p:cSld>
-    <p:spTree>
-      <p:nvGrpSpPr>
-        <p:cNvPr id="1" name=""/>
-        <p:cNvGrpSpPr/>
-        <p:nvPr/>
-      </p:nvGrpSpPr>
-      <p:grpSpPr>
-        <a:xfrm>
-          <a:off x="0" y="0"/>
-          <a:ext cx="0" cy="0"/>
-          <a:chOff x="0" y="0"/>
-          <a:chExt cx="0" cy="0"/>
-        </a:xfrm>
-      </p:grpSpPr>
-      <p:sp>
-        <p:nvSpPr>
           <p:cNvPr id="15361" name="Content Placeholder 3"/>
           <p:cNvSpPr>
             <a:spLocks noGrp="1"/>
@@ -6128,24 +4506,34 @@
               </a:rPr>
             </a:br>
             <a:r>
-              <a:rPr lang="en-US" sz="2000" dirty="0" smtClean="0">
+              <a:rPr lang="en-US" sz="2000" dirty="0">
                 <a:solidFill>
                   <a:schemeClr val="bg1"/>
                 </a:solidFill>
                 <a:latin typeface="Calibri" charset="0"/>
                 <a:cs typeface="Segoe UI" charset="0"/>
               </a:rPr>
-              <a:t>Discovery </a:t>
-            </a:r>
-            <a:r>
-              <a:rPr lang="en-US" sz="2000" dirty="0">
+              <a:t>Alignment Free Expression </a:t>
+            </a:r>
+            <a:r>
+              <a:rPr lang="en-US" sz="2000" dirty="0" smtClean="0">
                 <a:solidFill>
                   <a:schemeClr val="bg1"/>
                 </a:solidFill>
                 <a:latin typeface="Calibri" charset="0"/>
                 <a:cs typeface="Segoe UI" charset="0"/>
               </a:rPr>
-              <a:t>and Alternative Expression  (lecture)</a:t>
+              <a:t>Estimation </a:t>
+            </a:r>
+            <a:r>
+              <a:rPr lang="en-US" sz="2000" dirty="0">
+                <a:solidFill>
+                  <a:schemeClr val="bg1"/>
+                </a:solidFill>
+                <a:latin typeface="Calibri" charset="0"/>
+                <a:cs typeface="Segoe UI" charset="0"/>
+              </a:rPr>
+              <a:t>(lecture)</a:t>
             </a:r>
             <a:endParaRPr lang="en-US" sz="1800" b="1" dirty="0">
               <a:solidFill>
@@ -6269,7 +4657,7 @@
               <a:defRPr/>
             </a:pPr>
             <a:r>
-              <a:rPr lang="en-US" sz="1400">
+              <a:rPr lang="en-US" sz="1400" dirty="0">
                 <a:ln w="1270">
                   <a:solidFill>
                     <a:schemeClr val="tx1">
@@ -6282,17 +4670,6 @@
               </a:rPr>
               <a:t>November 6- 18, 2018</a:t>
             </a:r>
-            <a:endParaRPr lang="en-US" sz="1400" dirty="0">
-              <a:ln w="1270">
-                <a:solidFill>
-                  <a:schemeClr val="tx1">
-                    <a:alpha val="38000"/>
-                  </a:schemeClr>
-                </a:solidFill>
-              </a:ln>
-              <a:latin typeface="Calibri"/>
-              <a:cs typeface="Calibri"/>
-            </a:endParaRPr>
           </a:p>
         </p:txBody>
       </p:sp>
@@ -6354,7 +4731,7 @@
           <a:lstStyle/>
           <a:p>
             <a:r>
-              <a:rPr lang="en-US">
+              <a:rPr lang="en-US" dirty="0">
                 <a:latin typeface="Calibri" charset="0"/>
                 <a:ea typeface="ＭＳ Ｐゴシック" charset="0"/>
               </a:rPr>
@@ -6373,10 +4750,15 @@
             <p:ph idx="1"/>
           </p:nvPr>
         </p:nvSpPr>
-        <p:spPr/>
+        <p:spPr>
+          <a:xfrm>
+            <a:off x="152400" y="1584920"/>
+            <a:ext cx="8839200" cy="4724400"/>
+          </a:xfrm>
+        </p:spPr>
         <p:txBody>
           <a:bodyPr>
-            <a:normAutofit lnSpcReduction="10000"/>
+            <a:normAutofit fontScale="92500" lnSpcReduction="10000"/>
           </a:bodyPr>
           <a:lstStyle/>
           <a:p>
@@ -6441,7 +4823,11 @@
             </a:r>
             <a:r>
               <a:rPr lang="en-US" dirty="0"/>
-              <a:t>Expression and Differential Expression</a:t>
+              <a:t>Expression and Differential </a:t>
+            </a:r>
+            <a:r>
+              <a:rPr lang="en-US" dirty="0" smtClean="0"/>
+              <a:t>Expression</a:t>
             </a:r>
           </a:p>
           <a:p>
@@ -6449,38 +4835,48 @@
               <a:defRPr/>
             </a:pPr>
             <a:r>
-              <a:rPr lang="en-US" b="1" dirty="0"/>
-              <a:t>Module </a:t>
-            </a:r>
-            <a:r>
               <a:rPr lang="en-US" b="1" dirty="0" smtClean="0"/>
-              <a:t>4: </a:t>
-            </a:r>
-            <a:r>
-              <a:rPr lang="en-US" b="1" dirty="0"/>
+              <a:t>Module 4: Alignment Free Expression Estimation</a:t>
+            </a:r>
+            <a:endParaRPr lang="en-US" b="1" dirty="0"/>
+          </a:p>
+          <a:p>
+            <a:pPr>
+              <a:defRPr/>
+            </a:pPr>
+            <a:r>
+              <a:rPr lang="en-US" dirty="0"/>
+              <a:t>Module 5</a:t>
+            </a:r>
+            <a:r>
+              <a:rPr lang="en-US" dirty="0" smtClean="0"/>
+              <a:t>: </a:t>
+            </a:r>
+            <a:r>
+              <a:rPr lang="en-US" dirty="0"/>
               <a:t>Isoform </a:t>
             </a:r>
             <a:r>
-              <a:rPr lang="en-US" b="1" dirty="0" smtClean="0"/>
+              <a:rPr lang="en-US" dirty="0" smtClean="0"/>
               <a:t>Discovery </a:t>
             </a:r>
             <a:r>
-              <a:rPr lang="en-US" b="1" dirty="0"/>
+              <a:rPr lang="en-US" dirty="0"/>
               <a:t>and </a:t>
             </a:r>
             <a:r>
-              <a:rPr lang="en-US" b="1" dirty="0" smtClean="0"/>
+              <a:rPr lang="en-US" dirty="0" smtClean="0"/>
               <a:t>Alternative </a:t>
             </a:r>
             <a:r>
-              <a:rPr lang="en-US" b="1" dirty="0"/>
+              <a:rPr lang="en-US" dirty="0"/>
               <a:t>E</a:t>
             </a:r>
             <a:r>
-              <a:rPr lang="en-US" b="1" dirty="0" smtClean="0"/>
+              <a:rPr lang="en-US" dirty="0" smtClean="0"/>
               <a:t>xpression</a:t>
             </a:r>
-            <a:endParaRPr lang="en-US" b="1" dirty="0"/>
+            <a:endParaRPr lang="en-US" dirty="0"/>
           </a:p>
           <a:p>
             <a:pPr marL="0" indent="0">
@@ -6614,7 +5010,7 @@
     </p:spTree>
     <p:extLst>
       <p:ext uri="{BB962C8B-B14F-4D97-AF65-F5344CB8AC3E}">
-        <p14:creationId xmlns:p14="http://schemas.microsoft.com/office/powerpoint/2010/main" val="3116879955"/>
+        <p14:creationId xmlns:p14="http://schemas.microsoft.com/office/powerpoint/2010/main" val="3304265066"/>
       </p:ext>
     </p:extLst>
   </p:cSld>
@@ -6650,7 +5046,7 @@
       </p:grpSpPr>
       <p:sp>
         <p:nvSpPr>
-          <p:cNvPr id="13313" name="Title 1"/>
+          <p:cNvPr id="2" name="Title 1"/>
           <p:cNvSpPr>
             <a:spLocks noGrp="1"/>
           </p:cNvSpPr>
@@ -6660,7 +5056,7 @@
         </p:nvSpPr>
         <p:spPr>
           <a:xfrm>
-            <a:off x="152400" y="115888"/>
+            <a:off x="152400" y="44624"/>
             <a:ext cx="8839200" cy="1143000"/>
           </a:xfrm>
         </p:spPr>
@@ -6669,43 +5065,16 @@
           <a:lstStyle/>
           <a:p>
             <a:r>
-              <a:rPr lang="en-US" dirty="0">
-                <a:latin typeface="Calibri" charset="0"/>
-                <a:ea typeface="ＭＳ Ｐゴシック" charset="0"/>
-              </a:rPr>
-              <a:t>Learning </a:t>
-            </a:r>
-            <a:r>
-              <a:rPr lang="en-US" dirty="0" smtClean="0">
-                <a:latin typeface="Calibri" charset="0"/>
-                <a:ea typeface="ＭＳ Ｐゴシック" charset="0"/>
-              </a:rPr>
-              <a:t>objectives </a:t>
-            </a:r>
-            <a:r>
-              <a:rPr lang="en-US" dirty="0">
-                <a:latin typeface="Calibri" charset="0"/>
-                <a:ea typeface="ＭＳ Ｐゴシック" charset="0"/>
-              </a:rPr>
-              <a:t>of </a:t>
-            </a:r>
-            <a:r>
-              <a:rPr lang="en-US" dirty="0" smtClean="0">
-                <a:latin typeface="Calibri" charset="0"/>
-                <a:ea typeface="ＭＳ Ｐゴシック" charset="0"/>
-              </a:rPr>
-              <a:t>module 4</a:t>
-            </a:r>
-            <a:endParaRPr lang="en-US" dirty="0">
-              <a:latin typeface="Calibri" charset="0"/>
-              <a:ea typeface="ＭＳ Ｐゴシック" charset="0"/>
-            </a:endParaRPr>
+              <a:rPr lang="en-US" dirty="0" smtClean="0"/>
+              <a:t>Learning objectives of module 4 </a:t>
+            </a:r>
+            <a:endParaRPr lang="en-US" dirty="0"/>
           </a:p>
         </p:txBody>
       </p:sp>
       <p:sp>
         <p:nvSpPr>
-          <p:cNvPr id="13314" name="Content Placeholder 2"/>
+          <p:cNvPr id="3" name="Content Placeholder 2"/>
           <p:cNvSpPr>
             <a:spLocks noGrp="1"/>
           </p:cNvSpPr>
@@ -6719,54 +5088,68 @@
           <a:lstStyle/>
           <a:p>
             <a:r>
-              <a:rPr lang="en-US" dirty="0">
-                <a:latin typeface="Calibri" charset="0"/>
-                <a:ea typeface="ＭＳ Ｐゴシック" charset="0"/>
-              </a:rPr>
-              <a:t>Explore use of </a:t>
-            </a:r>
-            <a:r>
-              <a:rPr lang="en-US" dirty="0" err="1" smtClean="0">
-                <a:latin typeface="Calibri" charset="0"/>
-                <a:ea typeface="ＭＳ Ｐゴシック" charset="0"/>
-              </a:rPr>
-              <a:t>StringTie</a:t>
-            </a:r>
-            <a:r>
-              <a:rPr lang="en-US" dirty="0" smtClean="0">
-                <a:latin typeface="Calibri" charset="0"/>
-                <a:ea typeface="ＭＳ Ｐゴシック" charset="0"/>
-              </a:rPr>
-              <a:t> in modes that facilitate transcript/isoform discovery. </a:t>
-            </a:r>
-            <a:endParaRPr lang="en-US" dirty="0">
-              <a:latin typeface="Calibri" charset="0"/>
-              <a:ea typeface="ＭＳ Ｐゴシック" charset="0"/>
-            </a:endParaRPr>
+              <a:rPr lang="en-US" dirty="0" smtClean="0"/>
+              <a:t>Alignment free estimation of transcript abundance</a:t>
+            </a:r>
+          </a:p>
+          <a:p>
+            <a:endParaRPr lang="en-US" dirty="0" smtClean="0"/>
+          </a:p>
+          <a:p>
+            <a:r>
+              <a:rPr lang="en-US" dirty="0" smtClean="0"/>
+              <a:t>Introduction to k-</a:t>
+            </a:r>
+            <a:r>
+              <a:rPr lang="en-US" dirty="0" err="1" smtClean="0"/>
+              <a:t>mers</a:t>
+            </a:r>
+            <a:endParaRPr lang="en-US" dirty="0" smtClean="0"/>
+          </a:p>
+          <a:p>
+            <a:r>
+              <a:rPr lang="en-US" dirty="0" smtClean="0"/>
+              <a:t>Alignment free tools</a:t>
+            </a:r>
           </a:p>
           <a:p>
             <a:pPr lvl="1"/>
             <a:r>
-              <a:rPr lang="en-US" dirty="0" smtClean="0">
-                <a:latin typeface="Calibri" charset="0"/>
-                <a:ea typeface="ＭＳ Ｐゴシック" charset="0"/>
-              </a:rPr>
-              <a:t>This still requires </a:t>
-            </a:r>
-            <a:r>
-              <a:rPr lang="en-US" dirty="0">
-                <a:latin typeface="Calibri" charset="0"/>
-                <a:ea typeface="ＭＳ Ｐゴシック" charset="0"/>
-              </a:rPr>
-              <a:t>a reference genome sequence...</a:t>
-            </a:r>
+              <a:rPr lang="en-US" dirty="0" smtClean="0"/>
+              <a:t>Sailfish, RNA-Skim, </a:t>
+            </a:r>
+            <a:r>
+              <a:rPr lang="en-US" dirty="0" err="1" smtClean="0"/>
+              <a:t>Kallisto</a:t>
+            </a:r>
+            <a:r>
+              <a:rPr lang="en-US" dirty="0" smtClean="0"/>
+              <a:t>, Salmon</a:t>
+            </a:r>
+          </a:p>
+          <a:p>
+            <a:r>
+              <a:rPr lang="en-US" dirty="0" smtClean="0"/>
+              <a:t>Abundance estimation and differential expression analysis with </a:t>
+            </a:r>
+            <a:r>
+              <a:rPr lang="en-US" dirty="0" err="1" smtClean="0"/>
+              <a:t>Kallisto</a:t>
+            </a:r>
+            <a:r>
+              <a:rPr lang="en-US" dirty="0" smtClean="0"/>
+              <a:t> and Sleuth</a:t>
+            </a:r>
+          </a:p>
+          <a:p>
+            <a:endParaRPr lang="en-US" dirty="0"/>
           </a:p>
         </p:txBody>
       </p:sp>
     </p:spTree>
     <p:extLst>
       <p:ext uri="{BB962C8B-B14F-4D97-AF65-F5344CB8AC3E}">
-        <p14:creationId xmlns:p14="http://schemas.microsoft.com/office/powerpoint/2010/main" val="2174617235"/>
+        <p14:creationId xmlns:p14="http://schemas.microsoft.com/office/powerpoint/2010/main" val="1059389814"/>
       </p:ext>
     </p:extLst>
   </p:cSld>
@@ -6802,7 +5185,7 @@
       </p:grpSpPr>
       <p:sp>
         <p:nvSpPr>
-          <p:cNvPr id="15361" name="Title 1"/>
+          <p:cNvPr id="2" name="Title 1"/>
           <p:cNvSpPr>
             <a:spLocks noGrp="1"/>
           </p:cNvSpPr>
@@ -6812,8 +5195,8 @@
         </p:nvSpPr>
         <p:spPr>
           <a:xfrm>
-            <a:off x="152400" y="116632"/>
-            <a:ext cx="3411488" cy="1143001"/>
+            <a:off x="152400" y="44624"/>
+            <a:ext cx="8839200" cy="1143000"/>
           </a:xfrm>
         </p:spPr>
         <p:txBody>
@@ -6821,22 +5204,30 @@
           <a:lstStyle/>
           <a:p>
             <a:r>
-              <a:rPr lang="en-US" dirty="0">
-                <a:latin typeface="Calibri" charset="0"/>
-                <a:ea typeface="ＭＳ Ｐゴシック" charset="0"/>
-              </a:rPr>
-              <a:t>Review of gene expression</a:t>
-            </a:r>
+              <a:rPr lang="en-US" dirty="0" smtClean="0"/>
+              <a:t>What is a k-</a:t>
+            </a:r>
+            <a:r>
+              <a:rPr lang="en-US" dirty="0" err="1" smtClean="0"/>
+              <a:t>mer</a:t>
+            </a:r>
+            <a:r>
+              <a:rPr lang="en-US" dirty="0" smtClean="0"/>
+              <a:t>?</a:t>
+            </a:r>
+            <a:endParaRPr lang="en-US" dirty="0"/>
           </a:p>
         </p:txBody>
       </p:sp>
       <p:pic>
         <p:nvPicPr>
-          <p:cNvPr id="3" name="Picture 2" descr="Figure1.png"/>
+          <p:cNvPr id="5" name="Content Placeholder 4" descr="k-mers.png"/>
           <p:cNvPicPr>
-            <a:picLocks noChangeAspect="1"/>
+            <a:picLocks noGrp="1" noChangeAspect="1"/>
           </p:cNvPicPr>
-          <p:nvPr/>
+          <p:nvPr>
+            <p:ph idx="1"/>
+          </p:nvPr>
         </p:nvPicPr>
         <p:blipFill>
           <a:blip r:embed="rId3" cstate="print">
@@ -6846,24 +5237,60 @@
               </a:ext>
             </a:extLst>
           </a:blip>
+          <a:srcRect l="-1713" r="-1713"/>
           <a:stretch>
             <a:fillRect/>
           </a:stretch>
         </p:blipFill>
         <p:spPr>
           <a:xfrm>
-            <a:off x="3796144" y="116632"/>
-            <a:ext cx="4880312" cy="6102436"/>
+            <a:off x="152400" y="1081088"/>
+            <a:ext cx="8839200" cy="4724400"/>
+          </a:xfrm>
+        </p:spPr>
+      </p:pic>
+      <p:sp>
+        <p:nvSpPr>
+          <p:cNvPr id="4" name="TextBox 3"/>
+          <p:cNvSpPr txBox="1"/>
+          <p:nvPr/>
+        </p:nvSpPr>
+        <p:spPr>
+          <a:xfrm>
+            <a:off x="226673" y="5877272"/>
+            <a:ext cx="7369663" cy="369332"/>
           </a:xfrm>
           <a:prstGeom prst="rect">
             <a:avLst/>
           </a:prstGeom>
+          <a:noFill/>
         </p:spPr>
-      </p:pic>
+        <p:txBody>
+          <a:bodyPr wrap="none" rtlCol="0">
+            <a:spAutoFit/>
+          </a:bodyPr>
+          <a:lstStyle/>
+          <a:p>
+            <a:r>
+              <a:rPr lang="en-US" sz="1800" dirty="0">
+                <a:hlinkClick r:id="rId4"/>
+              </a:rPr>
+              <a:t>https://www.slideshare.net/duruofei/cmsc702-project-final-</a:t>
+            </a:r>
+            <a:r>
+              <a:rPr lang="en-US" sz="1800" dirty="0" smtClean="0">
+                <a:hlinkClick r:id="rId4"/>
+              </a:rPr>
+              <a:t>presentation</a:t>
+            </a:r>
+            <a:endParaRPr lang="en-US" sz="1800" dirty="0"/>
+          </a:p>
+        </p:txBody>
+      </p:sp>
     </p:spTree>
     <p:extLst>
       <p:ext uri="{BB962C8B-B14F-4D97-AF65-F5344CB8AC3E}">
-        <p14:creationId xmlns:p14="http://schemas.microsoft.com/office/powerpoint/2010/main" val="3893645411"/>
+        <p14:creationId xmlns:p14="http://schemas.microsoft.com/office/powerpoint/2010/main" val="1386744465"/>
       </p:ext>
     </p:extLst>
   </p:cSld>
@@ -6899,7 +5326,7 @@
       </p:grpSpPr>
       <p:sp>
         <p:nvSpPr>
-          <p:cNvPr id="18433" name="Title 1"/>
+          <p:cNvPr id="2" name="Title 1"/>
           <p:cNvSpPr>
             <a:spLocks noGrp="1"/>
           </p:cNvSpPr>
@@ -6909,8 +5336,8 @@
         </p:nvSpPr>
         <p:spPr>
           <a:xfrm>
-            <a:off x="152400" y="-26988"/>
-            <a:ext cx="8839200" cy="1143001"/>
+            <a:off x="152400" y="-27384"/>
+            <a:ext cx="8839200" cy="1143000"/>
           </a:xfrm>
         </p:spPr>
         <p:txBody>
@@ -6918,49 +5345,195 @@
           <a:lstStyle/>
           <a:p>
             <a:r>
-              <a:rPr lang="en-US">
-                <a:latin typeface="Calibri" charset="0"/>
-                <a:ea typeface="ＭＳ Ｐゴシック" charset="0"/>
-              </a:rPr>
-              <a:t>Types of alternative expression - part 1</a:t>
-            </a:r>
+              <a:rPr lang="en-US" dirty="0" smtClean="0"/>
+              <a:t>Basic concept of alignment free approaches for transcript abundance</a:t>
+            </a:r>
+            <a:endParaRPr lang="en-US" dirty="0"/>
           </a:p>
         </p:txBody>
       </p:sp>
-      <p:pic>
-        <p:nvPicPr>
-          <p:cNvPr id="18434" name="Content Placeholder 3" descr="Figure2.png"/>
-          <p:cNvPicPr>
-            <a:picLocks noGrp="1" noChangeAspect="1"/>
-          </p:cNvPicPr>
+      <p:sp>
+        <p:nvSpPr>
+          <p:cNvPr id="3" name="Content Placeholder 2"/>
+          <p:cNvSpPr>
+            <a:spLocks noGrp="1"/>
+          </p:cNvSpPr>
           <p:nvPr>
             <p:ph idx="1"/>
           </p:nvPr>
-        </p:nvPicPr>
-        <p:blipFill>
-          <a:blip r:embed="rId3">
-            <a:extLst>
-              <a:ext uri="{28A0092B-C50C-407E-A947-70E740481C1C}">
-                <a14:useLocalDpi xmlns:a14="http://schemas.microsoft.com/office/drawing/2010/main" val="0"/>
-              </a:ext>
-            </a:extLst>
-          </a:blip>
-          <a:srcRect l="-249" r="-1949" b="48083"/>
-          <a:stretch>
-            <a:fillRect/>
-          </a:stretch>
-        </p:blipFill>
-        <p:spPr>
-          <a:xfrm>
-            <a:off x="1277938" y="1341438"/>
-            <a:ext cx="7129462" cy="4611687"/>
-          </a:xfrm>
-        </p:spPr>
-      </p:pic>
+        </p:nvSpPr>
+        <p:spPr/>
+        <p:txBody>
+          <a:bodyPr>
+            <a:normAutofit fontScale="85000" lnSpcReduction="20000"/>
+          </a:bodyPr>
+          <a:lstStyle/>
+          <a:p>
+            <a:pPr marL="514350" indent="-514350">
+              <a:buFont typeface="+mj-lt"/>
+              <a:buAutoNum type="arabicPeriod"/>
+            </a:pPr>
+            <a:r>
+              <a:rPr lang="en-US" dirty="0" smtClean="0"/>
+              <a:t>Obtain reference transcript sequences (e.g. Ensembl, </a:t>
+            </a:r>
+            <a:r>
+              <a:rPr lang="en-US" dirty="0" err="1" smtClean="0"/>
+              <a:t>Refseq</a:t>
+            </a:r>
+            <a:r>
+              <a:rPr lang="en-US" dirty="0" smtClean="0"/>
+              <a:t>, or GENCODE)</a:t>
+            </a:r>
+            <a:endParaRPr lang="en-US" dirty="0"/>
+          </a:p>
+          <a:p>
+            <a:pPr marL="514350" indent="-514350">
+              <a:buFont typeface="+mj-lt"/>
+              <a:buAutoNum type="arabicPeriod"/>
+            </a:pPr>
+            <a:r>
+              <a:rPr lang="en-US" dirty="0" smtClean="0"/>
+              <a:t>Build a </a:t>
+            </a:r>
+            <a:r>
+              <a:rPr lang="en-US" b="1" dirty="0" smtClean="0"/>
+              <a:t>k-</a:t>
+            </a:r>
+            <a:r>
+              <a:rPr lang="en-US" b="1" dirty="0" err="1" smtClean="0"/>
+              <a:t>mer</a:t>
+            </a:r>
+            <a:r>
+              <a:rPr lang="en-US" b="1" dirty="0" smtClean="0"/>
+              <a:t> index</a:t>
+            </a:r>
+            <a:r>
+              <a:rPr lang="en-US" dirty="0" smtClean="0"/>
+              <a:t> of all of the k-</a:t>
+            </a:r>
+            <a:r>
+              <a:rPr lang="en-US" dirty="0" err="1" smtClean="0"/>
+              <a:t>mers</a:t>
+            </a:r>
+            <a:r>
+              <a:rPr lang="en-US" dirty="0" smtClean="0"/>
+              <a:t> occurring in each  transcript sequence</a:t>
+            </a:r>
+          </a:p>
+          <a:p>
+            <a:pPr marL="914400" lvl="1" indent="-514350"/>
+            <a:r>
+              <a:rPr lang="en-US" dirty="0" smtClean="0"/>
+              <a:t>Store each k-</a:t>
+            </a:r>
+            <a:r>
+              <a:rPr lang="en-US" dirty="0" err="1" smtClean="0"/>
+              <a:t>mer</a:t>
+            </a:r>
+            <a:r>
+              <a:rPr lang="en-US" dirty="0" smtClean="0"/>
+              <a:t> and its position within the transcript. “hashing”</a:t>
+            </a:r>
+          </a:p>
+          <a:p>
+            <a:pPr marL="514350" indent="-514350">
+              <a:buFont typeface="+mj-lt"/>
+              <a:buAutoNum type="arabicPeriod"/>
+            </a:pPr>
+            <a:r>
+              <a:rPr lang="en-US" dirty="0" smtClean="0"/>
+              <a:t>Parse all RNA-seq reads and count how many times each k-</a:t>
+            </a:r>
+            <a:r>
+              <a:rPr lang="en-US" dirty="0" err="1" smtClean="0"/>
+              <a:t>mer</a:t>
+            </a:r>
+            <a:r>
+              <a:rPr lang="en-US" dirty="0" smtClean="0"/>
+              <a:t> occurs within each read</a:t>
+            </a:r>
+          </a:p>
+          <a:p>
+            <a:pPr marL="914400" lvl="1" indent="-514350"/>
+            <a:r>
+              <a:rPr lang="en-US" dirty="0" smtClean="0"/>
+              <a:t>Model relationship between RNA-seq read k-</a:t>
+            </a:r>
+            <a:r>
+              <a:rPr lang="en-US" dirty="0" err="1" smtClean="0"/>
+              <a:t>mers</a:t>
+            </a:r>
+            <a:r>
+              <a:rPr lang="en-US" dirty="0" smtClean="0"/>
+              <a:t> and the transcript k-</a:t>
+            </a:r>
+            <a:r>
+              <a:rPr lang="en-US" dirty="0" err="1" smtClean="0"/>
+              <a:t>mer</a:t>
+            </a:r>
+            <a:r>
+              <a:rPr lang="en-US" dirty="0" smtClean="0"/>
+              <a:t> index. </a:t>
+            </a:r>
+          </a:p>
+          <a:p>
+            <a:pPr marL="914400" lvl="1" indent="-514350"/>
+            <a:r>
+              <a:rPr lang="en-US" dirty="0" smtClean="0"/>
+              <a:t>What transcript is the most likely source for each read?</a:t>
+            </a:r>
+          </a:p>
+          <a:p>
+            <a:pPr marL="914400" lvl="1" indent="-514350"/>
+            <a:r>
+              <a:rPr lang="en-US" dirty="0" smtClean="0"/>
+              <a:t>Called “</a:t>
+            </a:r>
+            <a:r>
+              <a:rPr lang="en-US" dirty="0" err="1" smtClean="0"/>
+              <a:t>pseudoalignment</a:t>
+            </a:r>
+            <a:r>
+              <a:rPr lang="en-US" dirty="0" smtClean="0"/>
+              <a:t>” , “quasi-mapping”, etc.</a:t>
+            </a:r>
+          </a:p>
+          <a:p>
+            <a:pPr marL="514350" indent="-514350">
+              <a:buFont typeface="+mj-lt"/>
+              <a:buAutoNum type="arabicPeriod"/>
+            </a:pPr>
+            <a:r>
+              <a:rPr lang="en-US" dirty="0" smtClean="0"/>
+              <a:t>Handle sequencing errors, isoforms, ambiguity, and determine abundance estimates</a:t>
+            </a:r>
+          </a:p>
+          <a:p>
+            <a:pPr marL="914400" lvl="1" indent="-514350"/>
+            <a:r>
+              <a:rPr lang="en-US" dirty="0" smtClean="0"/>
+              <a:t>Transcriptome de </a:t>
+            </a:r>
+            <a:r>
+              <a:rPr lang="en-US" dirty="0" err="1" smtClean="0"/>
+              <a:t>Bruijn</a:t>
+            </a:r>
+            <a:r>
+              <a:rPr lang="en-US" dirty="0" smtClean="0"/>
+              <a:t> graphs, likelihood function, expectation maximization, etc.</a:t>
+            </a:r>
+          </a:p>
+          <a:p>
+            <a:pPr marL="914400" lvl="1" indent="-514350"/>
+            <a:endParaRPr lang="en-US" dirty="0"/>
+          </a:p>
+        </p:txBody>
+      </p:sp>
     </p:spTree>
     <p:extLst>
       <p:ext uri="{BB962C8B-B14F-4D97-AF65-F5344CB8AC3E}">
-        <p14:creationId xmlns:p14="http://schemas.microsoft.com/office/powerpoint/2010/main" val="3516579070"/>
+        <p14:creationId xmlns:p14="http://schemas.microsoft.com/office/powerpoint/2010/main" val="83871498"/>
       </p:ext>
     </p:extLst>
   </p:cSld>
@@ -6996,7 +5569,7 @@
       </p:grpSpPr>
       <p:sp>
         <p:nvSpPr>
-          <p:cNvPr id="19457" name="Title 1"/>
+          <p:cNvPr id="2" name="Title 1"/>
           <p:cNvSpPr>
             <a:spLocks noGrp="1"/>
           </p:cNvSpPr>
@@ -7006,8 +5579,8 @@
         </p:nvSpPr>
         <p:spPr>
           <a:xfrm>
-            <a:off x="152400" y="-26988"/>
-            <a:ext cx="8839200" cy="1143001"/>
+            <a:off x="152400" y="44624"/>
+            <a:ext cx="8839200" cy="1143000"/>
           </a:xfrm>
         </p:spPr>
         <p:txBody>
@@ -7015,49 +5588,98 @@
           <a:lstStyle/>
           <a:p>
             <a:r>
-              <a:rPr lang="en-US">
-                <a:latin typeface="Calibri" charset="0"/>
-                <a:ea typeface="ＭＳ Ｐゴシック" charset="0"/>
-              </a:rPr>
-              <a:t>Types of alternative expression – part 2</a:t>
-            </a:r>
+              <a:rPr lang="en-US" dirty="0" smtClean="0"/>
+              <a:t>Advantages/disadvantages of alignment free approaches</a:t>
+            </a:r>
+            <a:endParaRPr lang="en-US" dirty="0"/>
           </a:p>
         </p:txBody>
       </p:sp>
-      <p:pic>
-        <p:nvPicPr>
-          <p:cNvPr id="19458" name="Content Placeholder 3" descr="Figure2.png"/>
-          <p:cNvPicPr>
-            <a:picLocks noGrp="1" noChangeAspect="1"/>
-          </p:cNvPicPr>
+      <p:sp>
+        <p:nvSpPr>
+          <p:cNvPr id="3" name="Content Placeholder 2"/>
+          <p:cNvSpPr>
+            <a:spLocks noGrp="1"/>
+          </p:cNvSpPr>
           <p:nvPr>
             <p:ph idx="1"/>
           </p:nvPr>
-        </p:nvPicPr>
-        <p:blipFill>
-          <a:blip r:embed="rId3">
-            <a:extLst>
-              <a:ext uri="{28A0092B-C50C-407E-A947-70E740481C1C}">
-                <a14:useLocalDpi xmlns:a14="http://schemas.microsoft.com/office/drawing/2010/main" val="0"/>
-              </a:ext>
-            </a:extLst>
-          </a:blip>
-          <a:srcRect l="-500" t="52509" r="-2956"/>
-          <a:stretch>
-            <a:fillRect/>
-          </a:stretch>
-        </p:blipFill>
-        <p:spPr>
-          <a:xfrm>
-            <a:off x="900113" y="1341438"/>
-            <a:ext cx="7654925" cy="4475162"/>
-          </a:xfrm>
-        </p:spPr>
-      </p:pic>
+        </p:nvSpPr>
+        <p:spPr/>
+        <p:txBody>
+          <a:bodyPr>
+            <a:normAutofit lnSpcReduction="10000"/>
+          </a:bodyPr>
+          <a:lstStyle/>
+          <a:p>
+            <a:r>
+              <a:rPr lang="en-US" dirty="0" smtClean="0"/>
+              <a:t>Advantages</a:t>
+            </a:r>
+          </a:p>
+          <a:p>
+            <a:pPr lvl="1"/>
+            <a:r>
+              <a:rPr lang="en-US" dirty="0" smtClean="0"/>
+              <a:t>Very fast and efficient</a:t>
+            </a:r>
+          </a:p>
+          <a:p>
+            <a:pPr lvl="2"/>
+            <a:r>
+              <a:rPr lang="en-US" dirty="0" smtClean="0"/>
+              <a:t>Similar accuracy to alignment based approach but with much, much shorter run time.</a:t>
+            </a:r>
+          </a:p>
+          <a:p>
+            <a:pPr lvl="1"/>
+            <a:r>
+              <a:rPr lang="en-US" dirty="0"/>
+              <a:t>Do not need a reference genome, only a reference </a:t>
+            </a:r>
+            <a:r>
+              <a:rPr lang="en-US" dirty="0" smtClean="0"/>
+              <a:t>transcriptome</a:t>
+            </a:r>
+          </a:p>
+          <a:p>
+            <a:pPr lvl="1"/>
+            <a:endParaRPr lang="en-US" dirty="0"/>
+          </a:p>
+          <a:p>
+            <a:r>
+              <a:rPr lang="en-US" dirty="0" smtClean="0"/>
+              <a:t>Disadvantages</a:t>
+            </a:r>
+          </a:p>
+          <a:p>
+            <a:pPr lvl="1"/>
+            <a:r>
+              <a:rPr lang="en-US" dirty="0" smtClean="0"/>
+              <a:t>You don’t get a proper BAM file</a:t>
+            </a:r>
+          </a:p>
+          <a:p>
+            <a:pPr lvl="1"/>
+            <a:r>
+              <a:rPr lang="en-US" dirty="0" smtClean="0"/>
+              <a:t>Information in reads with sequence errors may be ignored</a:t>
+            </a:r>
+          </a:p>
+          <a:p>
+            <a:pPr lvl="1"/>
+            <a:r>
+              <a:rPr lang="en-US" dirty="0" smtClean="0"/>
+              <a:t>Limited potential for transcript discovery, variant calling, fusion detection, etc.</a:t>
+            </a:r>
+            <a:endParaRPr lang="en-US" dirty="0"/>
+          </a:p>
+        </p:txBody>
+      </p:sp>
     </p:spTree>
     <p:extLst>
       <p:ext uri="{BB962C8B-B14F-4D97-AF65-F5344CB8AC3E}">
-        <p14:creationId xmlns:p14="http://schemas.microsoft.com/office/powerpoint/2010/main" val="2835287906"/>
+        <p14:creationId xmlns:p14="http://schemas.microsoft.com/office/powerpoint/2010/main" val="680690004"/>
       </p:ext>
     </p:extLst>
   </p:cSld>
@@ -7093,7 +5715,7 @@
       </p:grpSpPr>
       <p:sp>
         <p:nvSpPr>
-          <p:cNvPr id="16385" name="Title 1"/>
+          <p:cNvPr id="2" name="Title 1"/>
           <p:cNvSpPr>
             <a:spLocks noGrp="1"/>
           </p:cNvSpPr>
@@ -7103,8 +5725,8 @@
         </p:nvSpPr>
         <p:spPr>
           <a:xfrm>
-            <a:off x="152400" y="-26988"/>
-            <a:ext cx="8839200" cy="1143001"/>
+            <a:off x="152400" y="44624"/>
+            <a:ext cx="8839200" cy="1143000"/>
           </a:xfrm>
         </p:spPr>
         <p:txBody>
@@ -7112,236 +5734,217 @@
           <a:lstStyle/>
           <a:p>
             <a:r>
-              <a:rPr lang="en-US">
-                <a:latin typeface="Calibri" charset="0"/>
-                <a:ea typeface="ＭＳ Ｐゴシック" charset="0"/>
-              </a:rPr>
-              <a:t>Methods to study splicing by RNA-seq</a:t>
-            </a:r>
+              <a:rPr lang="en-US" dirty="0" smtClean="0"/>
+              <a:t>Common alignment free tools</a:t>
+            </a:r>
+            <a:endParaRPr lang="en-US" dirty="0"/>
           </a:p>
         </p:txBody>
       </p:sp>
-      <p:pic>
-        <p:nvPicPr>
-          <p:cNvPr id="16386" name="Content Placeholder 3" descr="RNAseqToolsForAlternativeSplicing.jpg"/>
-          <p:cNvPicPr>
-            <a:picLocks noGrp="1" noChangeAspect="1"/>
-          </p:cNvPicPr>
+      <p:sp>
+        <p:nvSpPr>
+          <p:cNvPr id="3" name="Content Placeholder 2"/>
+          <p:cNvSpPr>
+            <a:spLocks noGrp="1"/>
+          </p:cNvSpPr>
           <p:nvPr>
             <p:ph idx="1"/>
           </p:nvPr>
-        </p:nvPicPr>
-        <p:blipFill>
-          <a:blip r:embed="rId3">
-            <a:extLst>
-              <a:ext uri="{28A0092B-C50C-407E-A947-70E740481C1C}">
-                <a14:useLocalDpi xmlns:a14="http://schemas.microsoft.com/office/drawing/2010/main" val="0"/>
-              </a:ext>
-            </a:extLst>
-          </a:blip>
-          <a:srcRect l="5405" t="1907" r="5653" b="3806"/>
-          <a:stretch>
-            <a:fillRect/>
-          </a:stretch>
-        </p:blipFill>
-        <p:spPr>
-          <a:xfrm>
-            <a:off x="2263775" y="981075"/>
-            <a:ext cx="4608513" cy="4884738"/>
-          </a:xfrm>
-        </p:spPr>
-      </p:pic>
-      <p:sp>
-        <p:nvSpPr>
-          <p:cNvPr id="16387" name="TextBox 4"/>
-          <p:cNvSpPr txBox="1">
-            <a:spLocks noChangeArrowheads="1"/>
-          </p:cNvSpPr>
-          <p:nvPr/>
         </p:nvSpPr>
-        <p:spPr bwMode="auto">
-          <a:xfrm>
-            <a:off x="533400" y="5876925"/>
-            <a:ext cx="8070850" cy="523875"/>
-          </a:xfrm>
-          <a:prstGeom prst="rect">
-            <a:avLst/>
-          </a:prstGeom>
-          <a:noFill/>
-          <a:ln>
-            <a:noFill/>
-          </a:ln>
-          <a:extLst>
-            <a:ext uri="{909E8E84-426E-40dd-AFC4-6F175D3DCCD1}">
-              <a14:hiddenFill xmlns:a14="http://schemas.microsoft.com/office/drawing/2010/main">
-                <a:solidFill>
-                  <a:srgbClr val="FFFFFF"/>
-                </a:solidFill>
-              </a14:hiddenFill>
-            </a:ext>
-            <a:ext uri="{91240B29-F687-4f45-9708-019B960494DF}">
-              <a14:hiddenLine xmlns:a14="http://schemas.microsoft.com/office/drawing/2010/main" w="9525">
-                <a:solidFill>
-                  <a:srgbClr val="000000"/>
-                </a:solidFill>
-                <a:miter lim="800000"/>
-                <a:headEnd/>
-                <a:tailEnd/>
-              </a14:hiddenLine>
-            </a:ext>
-          </a:extLst>
-        </p:spPr>
+        <p:spPr/>
         <p:txBody>
-          <a:bodyPr wrap="none">
-            <a:spAutoFit/>
+          <a:bodyPr>
+            <a:normAutofit fontScale="85000" lnSpcReduction="20000"/>
           </a:bodyPr>
-          <a:lstStyle>
-            <a:lvl1pPr eaLnBrk="0" hangingPunct="0">
-              <a:defRPr sz="2400">
-                <a:solidFill>
-                  <a:schemeClr val="tx1"/>
-                </a:solidFill>
-                <a:latin typeface="Arial" charset="0"/>
-                <a:ea typeface="ＭＳ Ｐゴシック" charset="0"/>
-                <a:cs typeface="ＭＳ Ｐゴシック" charset="0"/>
-              </a:defRPr>
-            </a:lvl1pPr>
-            <a:lvl2pPr marL="742950" indent="-285750" eaLnBrk="0" hangingPunct="0">
-              <a:defRPr sz="2400">
-                <a:solidFill>
-                  <a:schemeClr val="tx1"/>
-                </a:solidFill>
-                <a:latin typeface="Arial" charset="0"/>
-                <a:ea typeface="ＭＳ Ｐゴシック" charset="0"/>
-              </a:defRPr>
-            </a:lvl2pPr>
-            <a:lvl3pPr marL="1143000" indent="-228600" eaLnBrk="0" hangingPunct="0">
-              <a:defRPr sz="2400">
-                <a:solidFill>
-                  <a:schemeClr val="tx1"/>
-                </a:solidFill>
-                <a:latin typeface="Arial" charset="0"/>
-                <a:ea typeface="ＭＳ Ｐゴシック" charset="0"/>
-              </a:defRPr>
-            </a:lvl3pPr>
-            <a:lvl4pPr marL="1600200" indent="-228600" eaLnBrk="0" hangingPunct="0">
-              <a:defRPr sz="2400">
-                <a:solidFill>
-                  <a:schemeClr val="tx1"/>
-                </a:solidFill>
-                <a:latin typeface="Arial" charset="0"/>
-                <a:ea typeface="ＭＳ Ｐゴシック" charset="0"/>
-              </a:defRPr>
-            </a:lvl4pPr>
-            <a:lvl5pPr marL="2057400" indent="-228600" eaLnBrk="0" hangingPunct="0">
-              <a:defRPr sz="2400">
-                <a:solidFill>
-                  <a:schemeClr val="tx1"/>
-                </a:solidFill>
-                <a:latin typeface="Arial" charset="0"/>
-                <a:ea typeface="ＭＳ Ｐゴシック" charset="0"/>
-              </a:defRPr>
-            </a:lvl5pPr>
-            <a:lvl6pPr marL="2514600" indent="-228600" eaLnBrk="0" fontAlgn="base" hangingPunct="0">
-              <a:spcBef>
-                <a:spcPct val="0"/>
-              </a:spcBef>
-              <a:spcAft>
-                <a:spcPct val="0"/>
-              </a:spcAft>
-              <a:defRPr sz="2400">
-                <a:solidFill>
-                  <a:schemeClr val="tx1"/>
-                </a:solidFill>
-                <a:latin typeface="Arial" charset="0"/>
-                <a:ea typeface="ＭＳ Ｐゴシック" charset="0"/>
-              </a:defRPr>
-            </a:lvl6pPr>
-            <a:lvl7pPr marL="2971800" indent="-228600" eaLnBrk="0" fontAlgn="base" hangingPunct="0">
-              <a:spcBef>
-                <a:spcPct val="0"/>
-              </a:spcBef>
-              <a:spcAft>
-                <a:spcPct val="0"/>
-              </a:spcAft>
-              <a:defRPr sz="2400">
-                <a:solidFill>
-                  <a:schemeClr val="tx1"/>
-                </a:solidFill>
-                <a:latin typeface="Arial" charset="0"/>
-                <a:ea typeface="ＭＳ Ｐゴシック" charset="0"/>
-              </a:defRPr>
-            </a:lvl7pPr>
-            <a:lvl8pPr marL="3429000" indent="-228600" eaLnBrk="0" fontAlgn="base" hangingPunct="0">
-              <a:spcBef>
-                <a:spcPct val="0"/>
-              </a:spcBef>
-              <a:spcAft>
-                <a:spcPct val="0"/>
-              </a:spcAft>
-              <a:defRPr sz="2400">
-                <a:solidFill>
-                  <a:schemeClr val="tx1"/>
-                </a:solidFill>
-                <a:latin typeface="Arial" charset="0"/>
-                <a:ea typeface="ＭＳ Ｐゴシック" charset="0"/>
-              </a:defRPr>
-            </a:lvl8pPr>
-            <a:lvl9pPr marL="3886200" indent="-228600" eaLnBrk="0" fontAlgn="base" hangingPunct="0">
-              <a:spcBef>
-                <a:spcPct val="0"/>
-              </a:spcBef>
-              <a:spcAft>
-                <a:spcPct val="0"/>
-              </a:spcAft>
-              <a:defRPr sz="2400">
-                <a:solidFill>
-                  <a:schemeClr val="tx1"/>
-                </a:solidFill>
-                <a:latin typeface="Arial" charset="0"/>
-                <a:ea typeface="ＭＳ Ｐゴシック" charset="0"/>
-              </a:defRPr>
-            </a:lvl9pPr>
-          </a:lstStyle>
-          <a:p>
-            <a:pPr eaLnBrk="1" hangingPunct="1"/>
-            <a:r>
-              <a:rPr lang="en-US" sz="1400">
+          <a:lstStyle/>
+          <a:p>
+            <a:r>
+              <a:rPr lang="en-US" dirty="0" smtClean="0"/>
+              <a:t>Sailfish</a:t>
+            </a:r>
+          </a:p>
+          <a:p>
+            <a:pPr lvl="1"/>
+            <a:r>
+              <a:rPr lang="en-US" dirty="0" smtClean="0"/>
+              <a:t>“Sailfish </a:t>
+            </a:r>
+            <a:r>
+              <a:rPr lang="en-US" dirty="0"/>
+              <a:t>enables alignment-free isoform quantification from RNA-seq reads using lightweight </a:t>
+            </a:r>
+            <a:r>
+              <a:rPr lang="en-US" dirty="0" smtClean="0"/>
+              <a:t>algorithms.” 2014</a:t>
+            </a:r>
+          </a:p>
+          <a:p>
+            <a:pPr lvl="1"/>
+            <a:r>
+              <a:rPr lang="en-US" dirty="0">
+                <a:hlinkClick r:id="rId2"/>
+              </a:rPr>
+              <a:t>https://www.ncbi.nlm.nih.gov/pubmed/</a:t>
+            </a:r>
+            <a:r>
+              <a:rPr lang="en-US" dirty="0" smtClean="0">
+                <a:hlinkClick r:id="rId2"/>
+              </a:rPr>
+              <a:t>24752080</a:t>
+            </a:r>
+            <a:r>
+              <a:rPr lang="en-US" dirty="0" smtClean="0"/>
+              <a:t> </a:t>
+            </a:r>
+          </a:p>
+          <a:p>
+            <a:r>
+              <a:rPr lang="en-US" dirty="0" smtClean="0"/>
+              <a:t>RNA</a:t>
+            </a:r>
+            <a:r>
+              <a:rPr lang="en-US" dirty="0"/>
+              <a:t>-</a:t>
+            </a:r>
+            <a:r>
+              <a:rPr lang="en-US" dirty="0" smtClean="0"/>
+              <a:t>Skim</a:t>
+            </a:r>
+          </a:p>
+          <a:p>
+            <a:pPr lvl="1"/>
+            <a:r>
+              <a:rPr lang="en-US" dirty="0" smtClean="0"/>
+              <a:t>“RNA</a:t>
+            </a:r>
+            <a:r>
+              <a:rPr lang="en-US" dirty="0"/>
+              <a:t>-Skim: a rapid method for RNA-Seq quantification at transcript level</a:t>
+            </a:r>
+            <a:r>
+              <a:rPr lang="en-US" dirty="0" smtClean="0"/>
+              <a:t>.” 2014</a:t>
+            </a:r>
+          </a:p>
+          <a:p>
+            <a:pPr lvl="1"/>
+            <a:r>
+              <a:rPr lang="en-US" dirty="0">
+                <a:hlinkClick r:id="rId3"/>
+              </a:rPr>
+              <a:t>https://www.ncbi.nlm.nih.gov/pubmed/</a:t>
+            </a:r>
+            <a:r>
+              <a:rPr lang="en-US" dirty="0" smtClean="0">
+                <a:hlinkClick r:id="rId3"/>
+              </a:rPr>
+              <a:t>24931995</a:t>
+            </a:r>
+            <a:r>
+              <a:rPr lang="en-US" dirty="0" smtClean="0"/>
+              <a:t> </a:t>
+            </a:r>
+          </a:p>
+          <a:p>
+            <a:r>
+              <a:rPr lang="en-US" dirty="0" err="1" smtClean="0"/>
+              <a:t>Kallisto</a:t>
+            </a:r>
+            <a:endParaRPr lang="en-US" dirty="0" smtClean="0"/>
+          </a:p>
+          <a:p>
+            <a:pPr lvl="1"/>
+            <a:r>
+              <a:rPr lang="en-US" dirty="0" smtClean="0"/>
+              <a:t>“Near</a:t>
+            </a:r>
+            <a:r>
+              <a:rPr lang="en-US" dirty="0"/>
+              <a:t>-optimal probabilistic RNA-seq quantification</a:t>
+            </a:r>
+            <a:r>
+              <a:rPr lang="en-US" dirty="0" smtClean="0"/>
+              <a:t>.” 2016</a:t>
+            </a:r>
+          </a:p>
+          <a:p>
+            <a:pPr lvl="1"/>
+            <a:r>
+              <a:rPr lang="en-US" dirty="0">
                 <a:hlinkClick r:id="rId4"/>
               </a:rPr>
-              <a:t>http://www.rna-seqblog.com/data-analysis/splicing-junction/methods-to-study-splicing-from-rna-seq/</a:t>
-            </a:r>
-            <a:endParaRPr lang="en-US" sz="1400"/>
-          </a:p>
-          <a:p>
-            <a:pPr eaLnBrk="1" hangingPunct="1"/>
-            <a:r>
-              <a:rPr lang="en-US" sz="1400">
+              <a:t>https://www.ncbi.nlm.nih.gov/pubmed/</a:t>
+            </a:r>
+            <a:r>
+              <a:rPr lang="en-US" dirty="0" smtClean="0">
+                <a:hlinkClick r:id="rId4"/>
+              </a:rPr>
+              <a:t>27043002</a:t>
+            </a:r>
+            <a:r>
+              <a:rPr lang="en-US" dirty="0" smtClean="0"/>
+              <a:t> </a:t>
+            </a:r>
+            <a:endParaRPr lang="en-US" dirty="0"/>
+          </a:p>
+          <a:p>
+            <a:r>
+              <a:rPr lang="en-US" dirty="0" smtClean="0"/>
+              <a:t>Salmon</a:t>
+            </a:r>
+          </a:p>
+          <a:p>
+            <a:pPr lvl="1"/>
+            <a:r>
+              <a:rPr lang="en-US" dirty="0"/>
+              <a:t>“Salmon provides fast and bias-aware quantification of transcript expression</a:t>
+            </a:r>
+            <a:r>
+              <a:rPr lang="en-US" dirty="0" smtClean="0"/>
+              <a:t>.” 2017</a:t>
+            </a:r>
+          </a:p>
+          <a:p>
+            <a:pPr lvl="1"/>
+            <a:r>
+              <a:rPr lang="en-US" dirty="0" smtClean="0">
                 <a:hlinkClick r:id="rId5"/>
               </a:rPr>
-              <a:t>http://arxiv.org/ftp/arxiv/papers/1304/1304.5952.pdf</a:t>
-            </a:r>
-            <a:endParaRPr lang="en-US" sz="1400"/>
+              <a:t>https</a:t>
+            </a:r>
+            <a:r>
+              <a:rPr lang="en-US" dirty="0">
+                <a:hlinkClick r:id="rId5"/>
+              </a:rPr>
+              <a:t>://www.ncbi.nlm.nih.gov/pubmed/</a:t>
+            </a:r>
+            <a:r>
+              <a:rPr lang="en-US" dirty="0" smtClean="0">
+                <a:hlinkClick r:id="rId5"/>
+              </a:rPr>
+              <a:t>28263959</a:t>
+            </a:r>
+            <a:r>
+              <a:rPr lang="en-US" dirty="0" smtClean="0"/>
+              <a:t> </a:t>
+            </a:r>
+            <a:endParaRPr lang="en-US" dirty="0"/>
+          </a:p>
+          <a:p>
+            <a:endParaRPr lang="en-US" dirty="0"/>
           </a:p>
         </p:txBody>
       </p:sp>
     </p:spTree>
     <p:extLst>
       <p:ext uri="{BB962C8B-B14F-4D97-AF65-F5344CB8AC3E}">
-        <p14:creationId xmlns:p14="http://schemas.microsoft.com/office/powerpoint/2010/main" val="182798515"/>
+        <p14:creationId xmlns:p14="http://schemas.microsoft.com/office/powerpoint/2010/main" val="1580242092"/>
       </p:ext>
     </p:extLst>
   </p:cSld>
   <p:clrMapOvr>
     <a:masterClrMapping/>
   </p:clrMapOvr>
-  <p:timing>
-    <p:tnLst>
-      <p:par>
-        <p:cTn xmlns:p14="http://schemas.microsoft.com/office/powerpoint/2010/main" id="1" dur="indefinite" restart="never" nodeType="tmRoot"/>
-      </p:par>
-    </p:tnLst>
-  </p:timing>
 </p:sld>
 </file>
 
@@ -7364,7 +5967,7 @@
       </p:grpSpPr>
       <p:sp>
         <p:nvSpPr>
-          <p:cNvPr id="27649" name="Title 1"/>
+          <p:cNvPr id="2" name="Title 1"/>
           <p:cNvSpPr>
             <a:spLocks noGrp="1"/>
           </p:cNvSpPr>
@@ -7374,8 +5977,8 @@
         </p:nvSpPr>
         <p:spPr>
           <a:xfrm>
-            <a:off x="152400" y="-26988"/>
-            <a:ext cx="8839200" cy="1143001"/>
+            <a:off x="152400" y="44624"/>
+            <a:ext cx="8839200" cy="1143000"/>
           </a:xfrm>
         </p:spPr>
         <p:txBody>
@@ -7383,236 +5986,92 @@
           <a:lstStyle/>
           <a:p>
             <a:r>
-              <a:rPr lang="en-US">
-                <a:latin typeface="Calibri" charset="0"/>
-                <a:ea typeface="ＭＳ Ｐゴシック" charset="0"/>
-              </a:rPr>
-              <a:t>Methods to study splicing by RNA-seq</a:t>
-            </a:r>
+              <a:rPr lang="en-US" dirty="0" smtClean="0"/>
+              <a:t>Which is best?</a:t>
+            </a:r>
+            <a:endParaRPr lang="en-US" dirty="0"/>
           </a:p>
         </p:txBody>
       </p:sp>
-      <p:pic>
-        <p:nvPicPr>
-          <p:cNvPr id="27650" name="Content Placeholder 3" descr="RNAseqToolsForAlternativeSplicing.jpg"/>
-          <p:cNvPicPr>
-            <a:picLocks noGrp="1" noChangeAspect="1"/>
-          </p:cNvPicPr>
+      <p:sp>
+        <p:nvSpPr>
+          <p:cNvPr id="3" name="Content Placeholder 2"/>
+          <p:cNvSpPr>
+            <a:spLocks noGrp="1"/>
+          </p:cNvSpPr>
           <p:nvPr>
             <p:ph idx="1"/>
           </p:nvPr>
-        </p:nvPicPr>
-        <p:blipFill>
-          <a:blip r:embed="rId3">
-            <a:extLst>
-              <a:ext uri="{28A0092B-C50C-407E-A947-70E740481C1C}">
-                <a14:useLocalDpi xmlns:a14="http://schemas.microsoft.com/office/drawing/2010/main" val="0"/>
-              </a:ext>
-            </a:extLst>
-          </a:blip>
-          <a:srcRect l="5405" t="24612" r="51976" b="53220"/>
-          <a:stretch>
-            <a:fillRect/>
-          </a:stretch>
-        </p:blipFill>
-        <p:spPr>
-          <a:xfrm>
-            <a:off x="395288" y="1412875"/>
-            <a:ext cx="7777162" cy="4044950"/>
-          </a:xfrm>
-        </p:spPr>
-      </p:pic>
-      <p:sp>
-        <p:nvSpPr>
-          <p:cNvPr id="27651" name="TextBox 4"/>
-          <p:cNvSpPr txBox="1">
-            <a:spLocks noChangeArrowheads="1"/>
-          </p:cNvSpPr>
-          <p:nvPr/>
         </p:nvSpPr>
-        <p:spPr bwMode="auto">
-          <a:xfrm>
-            <a:off x="533400" y="5876925"/>
-            <a:ext cx="8070850" cy="523875"/>
-          </a:xfrm>
-          <a:prstGeom prst="rect">
-            <a:avLst/>
-          </a:prstGeom>
-          <a:noFill/>
-          <a:ln>
-            <a:noFill/>
-          </a:ln>
-          <a:extLst>
-            <a:ext uri="{909E8E84-426E-40dd-AFC4-6F175D3DCCD1}">
-              <a14:hiddenFill xmlns:a14="http://schemas.microsoft.com/office/drawing/2010/main">
-                <a:solidFill>
-                  <a:srgbClr val="FFFFFF"/>
-                </a:solidFill>
-              </a14:hiddenFill>
-            </a:ext>
-            <a:ext uri="{91240B29-F687-4f45-9708-019B960494DF}">
-              <a14:hiddenLine xmlns:a14="http://schemas.microsoft.com/office/drawing/2010/main" w="9525">
-                <a:solidFill>
-                  <a:srgbClr val="000000"/>
-                </a:solidFill>
-                <a:miter lim="800000"/>
-                <a:headEnd/>
-                <a:tailEnd/>
-              </a14:hiddenLine>
-            </a:ext>
-          </a:extLst>
-        </p:spPr>
+        <p:spPr/>
         <p:txBody>
-          <a:bodyPr wrap="none">
-            <a:spAutoFit/>
-          </a:bodyPr>
-          <a:lstStyle>
-            <a:lvl1pPr eaLnBrk="0" hangingPunct="0">
-              <a:defRPr sz="2400">
-                <a:solidFill>
-                  <a:schemeClr val="tx1"/>
-                </a:solidFill>
-                <a:latin typeface="Arial" charset="0"/>
-                <a:ea typeface="ＭＳ Ｐゴシック" charset="0"/>
-                <a:cs typeface="ＭＳ Ｐゴシック" charset="0"/>
-              </a:defRPr>
-            </a:lvl1pPr>
-            <a:lvl2pPr marL="742950" indent="-285750" eaLnBrk="0" hangingPunct="0">
-              <a:defRPr sz="2400">
-                <a:solidFill>
-                  <a:schemeClr val="tx1"/>
-                </a:solidFill>
-                <a:latin typeface="Arial" charset="0"/>
-                <a:ea typeface="ＭＳ Ｐゴシック" charset="0"/>
-              </a:defRPr>
-            </a:lvl2pPr>
-            <a:lvl3pPr marL="1143000" indent="-228600" eaLnBrk="0" hangingPunct="0">
-              <a:defRPr sz="2400">
-                <a:solidFill>
-                  <a:schemeClr val="tx1"/>
-                </a:solidFill>
-                <a:latin typeface="Arial" charset="0"/>
-                <a:ea typeface="ＭＳ Ｐゴシック" charset="0"/>
-              </a:defRPr>
-            </a:lvl3pPr>
-            <a:lvl4pPr marL="1600200" indent="-228600" eaLnBrk="0" hangingPunct="0">
-              <a:defRPr sz="2400">
-                <a:solidFill>
-                  <a:schemeClr val="tx1"/>
-                </a:solidFill>
-                <a:latin typeface="Arial" charset="0"/>
-                <a:ea typeface="ＭＳ Ｐゴシック" charset="0"/>
-              </a:defRPr>
-            </a:lvl4pPr>
-            <a:lvl5pPr marL="2057400" indent="-228600" eaLnBrk="0" hangingPunct="0">
-              <a:defRPr sz="2400">
-                <a:solidFill>
-                  <a:schemeClr val="tx1"/>
-                </a:solidFill>
-                <a:latin typeface="Arial" charset="0"/>
-                <a:ea typeface="ＭＳ Ｐゴシック" charset="0"/>
-              </a:defRPr>
-            </a:lvl5pPr>
-            <a:lvl6pPr marL="2514600" indent="-228600" eaLnBrk="0" fontAlgn="base" hangingPunct="0">
-              <a:spcBef>
-                <a:spcPct val="0"/>
-              </a:spcBef>
-              <a:spcAft>
-                <a:spcPct val="0"/>
-              </a:spcAft>
-              <a:defRPr sz="2400">
-                <a:solidFill>
-                  <a:schemeClr val="tx1"/>
-                </a:solidFill>
-                <a:latin typeface="Arial" charset="0"/>
-                <a:ea typeface="ＭＳ Ｐゴシック" charset="0"/>
-              </a:defRPr>
-            </a:lvl6pPr>
-            <a:lvl7pPr marL="2971800" indent="-228600" eaLnBrk="0" fontAlgn="base" hangingPunct="0">
-              <a:spcBef>
-                <a:spcPct val="0"/>
-              </a:spcBef>
-              <a:spcAft>
-                <a:spcPct val="0"/>
-              </a:spcAft>
-              <a:defRPr sz="2400">
-                <a:solidFill>
-                  <a:schemeClr val="tx1"/>
-                </a:solidFill>
-                <a:latin typeface="Arial" charset="0"/>
-                <a:ea typeface="ＭＳ Ｐゴシック" charset="0"/>
-              </a:defRPr>
-            </a:lvl7pPr>
-            <a:lvl8pPr marL="3429000" indent="-228600" eaLnBrk="0" fontAlgn="base" hangingPunct="0">
-              <a:spcBef>
-                <a:spcPct val="0"/>
-              </a:spcBef>
-              <a:spcAft>
-                <a:spcPct val="0"/>
-              </a:spcAft>
-              <a:defRPr sz="2400">
-                <a:solidFill>
-                  <a:schemeClr val="tx1"/>
-                </a:solidFill>
-                <a:latin typeface="Arial" charset="0"/>
-                <a:ea typeface="ＭＳ Ｐゴシック" charset="0"/>
-              </a:defRPr>
-            </a:lvl8pPr>
-            <a:lvl9pPr marL="3886200" indent="-228600" eaLnBrk="0" fontAlgn="base" hangingPunct="0">
-              <a:spcBef>
-                <a:spcPct val="0"/>
-              </a:spcBef>
-              <a:spcAft>
-                <a:spcPct val="0"/>
-              </a:spcAft>
-              <a:defRPr sz="2400">
-                <a:solidFill>
-                  <a:schemeClr val="tx1"/>
-                </a:solidFill>
-                <a:latin typeface="Arial" charset="0"/>
-                <a:ea typeface="ＭＳ Ｐゴシック" charset="0"/>
-              </a:defRPr>
-            </a:lvl9pPr>
-          </a:lstStyle>
-          <a:p>
-            <a:pPr eaLnBrk="1" hangingPunct="1"/>
-            <a:r>
-              <a:rPr lang="en-US" sz="1400">
-                <a:hlinkClick r:id="rId4"/>
+          <a:bodyPr/>
+          <a:lstStyle/>
+          <a:p>
+            <a:r>
+              <a:rPr lang="en-US" dirty="0" smtClean="0"/>
+              <a:t>Somewhat controversial </a:t>
+            </a:r>
+            <a:r>
+              <a:rPr lang="mr-IN" dirty="0" smtClean="0"/>
+              <a:t>…</a:t>
+            </a:r>
+            <a:endParaRPr lang="en-US" dirty="0" smtClean="0"/>
+          </a:p>
+          <a:p>
+            <a:r>
+              <a:rPr lang="en-US" dirty="0">
+                <a:hlinkClick r:id="rId2"/>
               </a:rPr>
-              <a:t>http://www.rna-seqblog.com/data-analysis/splicing-junction/methods-to-study-splicing-from-rna-seq/</a:t>
-            </a:r>
-            <a:endParaRPr lang="en-US" sz="1400"/>
-          </a:p>
-          <a:p>
-            <a:pPr eaLnBrk="1" hangingPunct="1"/>
-            <a:r>
-              <a:rPr lang="en-US" sz="1400">
-                <a:hlinkClick r:id="rId5"/>
+              <a:t>https://liorpachter.wordpress.com/2017/08/02/how-not-to-perform-a-differential-expression-analysis-or-science</a:t>
+            </a:r>
+            <a:r>
+              <a:rPr lang="en-US" dirty="0" smtClean="0">
+                <a:hlinkClick r:id="rId2"/>
               </a:rPr>
-              <a:t>http://arxiv.org/ftp/arxiv/papers/1304/1304.5952.pdf</a:t>
-            </a:r>
-            <a:endParaRPr lang="en-US" sz="1400"/>
+              <a:t>/</a:t>
+            </a:r>
+            <a:r>
+              <a:rPr lang="en-US" dirty="0" smtClean="0"/>
+              <a:t> </a:t>
+            </a:r>
+          </a:p>
+          <a:p>
+            <a:endParaRPr lang="en-US" dirty="0" smtClean="0"/>
+          </a:p>
+          <a:p>
+            <a:r>
+              <a:rPr lang="en-US" dirty="0" smtClean="0"/>
+              <a:t>Various sources suggest that Salmon, </a:t>
+            </a:r>
+            <a:r>
+              <a:rPr lang="en-US" dirty="0" err="1" smtClean="0"/>
+              <a:t>Kallisto</a:t>
+            </a:r>
+            <a:r>
+              <a:rPr lang="en-US" dirty="0" smtClean="0"/>
+              <a:t>, and Sailfish  results are quite comparable</a:t>
+            </a:r>
+          </a:p>
+          <a:p>
+            <a:r>
+              <a:rPr lang="en-US" dirty="0" smtClean="0"/>
+              <a:t>Usability, documentation, and supporting downstream tools could be used to decide</a:t>
+            </a:r>
+            <a:endParaRPr lang="en-US" dirty="0"/>
           </a:p>
         </p:txBody>
       </p:sp>
     </p:spTree>
     <p:extLst>
       <p:ext uri="{BB962C8B-B14F-4D97-AF65-F5344CB8AC3E}">
-        <p14:creationId xmlns:p14="http://schemas.microsoft.com/office/powerpoint/2010/main" val="108906359"/>
+        <p14:creationId xmlns:p14="http://schemas.microsoft.com/office/powerpoint/2010/main" val="1198338367"/>
       </p:ext>
     </p:extLst>
   </p:cSld>
   <p:clrMapOvr>
     <a:masterClrMapping/>
   </p:clrMapOvr>
-  <p:timing>
-    <p:tnLst>
-      <p:par>
-        <p:cTn xmlns:p14="http://schemas.microsoft.com/office/powerpoint/2010/main" id="1" dur="indefinite" restart="never" nodeType="tmRoot"/>
-      </p:par>
-    </p:tnLst>
-  </p:timing>
 </p:sld>
 </file>
 
